--- a/RBasics/R Basics 3.pptx
+++ b/RBasics/R Basics 3.pptx
@@ -6,31 +6,32 @@
   </p:sldMasterIdLst>
   <p:sldIdLst>
     <p:sldId id="256" r:id="rId2"/>
-    <p:sldId id="259" r:id="rId3"/>
-    <p:sldId id="279" r:id="rId4"/>
-    <p:sldId id="280" r:id="rId5"/>
-    <p:sldId id="281" r:id="rId6"/>
-    <p:sldId id="257" r:id="rId7"/>
-    <p:sldId id="258" r:id="rId8"/>
-    <p:sldId id="260" r:id="rId9"/>
-    <p:sldId id="261" r:id="rId10"/>
-    <p:sldId id="262" r:id="rId11"/>
-    <p:sldId id="263" r:id="rId12"/>
-    <p:sldId id="264" r:id="rId13"/>
-    <p:sldId id="265" r:id="rId14"/>
-    <p:sldId id="266" r:id="rId15"/>
-    <p:sldId id="267" r:id="rId16"/>
-    <p:sldId id="268" r:id="rId17"/>
-    <p:sldId id="269" r:id="rId18"/>
-    <p:sldId id="270" r:id="rId19"/>
-    <p:sldId id="271" r:id="rId20"/>
-    <p:sldId id="272" r:id="rId21"/>
-    <p:sldId id="273" r:id="rId22"/>
-    <p:sldId id="274" r:id="rId23"/>
-    <p:sldId id="275" r:id="rId24"/>
-    <p:sldId id="276" r:id="rId25"/>
-    <p:sldId id="277" r:id="rId26"/>
-    <p:sldId id="278" r:id="rId27"/>
+    <p:sldId id="282" r:id="rId3"/>
+    <p:sldId id="259" r:id="rId4"/>
+    <p:sldId id="279" r:id="rId5"/>
+    <p:sldId id="280" r:id="rId6"/>
+    <p:sldId id="281" r:id="rId7"/>
+    <p:sldId id="257" r:id="rId8"/>
+    <p:sldId id="258" r:id="rId9"/>
+    <p:sldId id="260" r:id="rId10"/>
+    <p:sldId id="261" r:id="rId11"/>
+    <p:sldId id="262" r:id="rId12"/>
+    <p:sldId id="263" r:id="rId13"/>
+    <p:sldId id="264" r:id="rId14"/>
+    <p:sldId id="265" r:id="rId15"/>
+    <p:sldId id="266" r:id="rId16"/>
+    <p:sldId id="267" r:id="rId17"/>
+    <p:sldId id="268" r:id="rId18"/>
+    <p:sldId id="269" r:id="rId19"/>
+    <p:sldId id="270" r:id="rId20"/>
+    <p:sldId id="271" r:id="rId21"/>
+    <p:sldId id="272" r:id="rId22"/>
+    <p:sldId id="273" r:id="rId23"/>
+    <p:sldId id="274" r:id="rId24"/>
+    <p:sldId id="275" r:id="rId25"/>
+    <p:sldId id="276" r:id="rId26"/>
+    <p:sldId id="277" r:id="rId27"/>
+    <p:sldId id="278" r:id="rId28"/>
   </p:sldIdLst>
   <p:sldSz cx="9144000" cy="6858000" type="screen4x3"/>
   <p:notesSz cx="6858000" cy="9144000"/>
@@ -2889,7 +2890,7 @@
           <a:p>
             <a:fld id="{27C813B7-FD4A-48D0-BF4D-9168513E280B}" type="datetimeFigureOut">
               <a:rPr lang="en-US" smtClean="0"/>
-              <a:t>6/4/2018</a:t>
+              <a:t>6/24/2018</a:t>
             </a:fld>
             <a:endParaRPr lang="en-US"/>
           </a:p>
@@ -3174,7 +3175,7 @@
           <a:p>
             <a:fld id="{27C813B7-FD4A-48D0-BF4D-9168513E280B}" type="datetimeFigureOut">
               <a:rPr lang="en-US" smtClean="0"/>
-              <a:t>6/4/2018</a:t>
+              <a:t>6/24/2018</a:t>
             </a:fld>
             <a:endParaRPr lang="en-US"/>
           </a:p>
@@ -3349,7 +3350,7 @@
           <a:p>
             <a:fld id="{27C813B7-FD4A-48D0-BF4D-9168513E280B}" type="datetimeFigureOut">
               <a:rPr lang="en-US" smtClean="0"/>
-              <a:t>6/4/2018</a:t>
+              <a:t>6/24/2018</a:t>
             </a:fld>
             <a:endParaRPr lang="en-US"/>
           </a:p>
@@ -3514,7 +3515,7 @@
           <a:p>
             <a:fld id="{27C813B7-FD4A-48D0-BF4D-9168513E280B}" type="datetimeFigureOut">
               <a:rPr lang="en-US" smtClean="0"/>
-              <a:t>6/4/2018</a:t>
+              <a:t>6/24/2018</a:t>
             </a:fld>
             <a:endParaRPr lang="en-US"/>
           </a:p>
@@ -3755,7 +3756,7 @@
           <a:p>
             <a:fld id="{27C813B7-FD4A-48D0-BF4D-9168513E280B}" type="datetimeFigureOut">
               <a:rPr lang="en-US" smtClean="0"/>
-              <a:t>6/4/2018</a:t>
+              <a:t>6/24/2018</a:t>
             </a:fld>
             <a:endParaRPr lang="en-US"/>
           </a:p>
@@ -3868,7 +3869,7 @@
           <a:p>
             <a:fld id="{27C813B7-FD4A-48D0-BF4D-9168513E280B}" type="datetimeFigureOut">
               <a:rPr lang="en-US" smtClean="0"/>
-              <a:t>6/4/2018</a:t>
+              <a:t>6/24/2018</a:t>
             </a:fld>
             <a:endParaRPr lang="en-US"/>
           </a:p>
@@ -4407,7 +4408,7 @@
           <a:p>
             <a:fld id="{27C813B7-FD4A-48D0-BF4D-9168513E280B}" type="datetimeFigureOut">
               <a:rPr lang="en-US" smtClean="0"/>
-              <a:t>6/4/2018</a:t>
+              <a:t>6/24/2018</a:t>
             </a:fld>
             <a:endParaRPr lang="en-US"/>
           </a:p>
@@ -4520,7 +4521,7 @@
           <a:p>
             <a:fld id="{27C813B7-FD4A-48D0-BF4D-9168513E280B}" type="datetimeFigureOut">
               <a:rPr lang="en-US" smtClean="0"/>
-              <a:t>6/4/2018</a:t>
+              <a:t>6/24/2018</a:t>
             </a:fld>
             <a:endParaRPr lang="en-US"/>
           </a:p>
@@ -4610,7 +4611,7 @@
           <a:p>
             <a:fld id="{27C813B7-FD4A-48D0-BF4D-9168513E280B}" type="datetimeFigureOut">
               <a:rPr lang="en-US" smtClean="0"/>
-              <a:t>6/4/2018</a:t>
+              <a:t>6/24/2018</a:t>
             </a:fld>
             <a:endParaRPr lang="en-US"/>
           </a:p>
@@ -7261,7 +7262,7 @@
           <a:p>
             <a:fld id="{27C813B7-FD4A-48D0-BF4D-9168513E280B}" type="datetimeFigureOut">
               <a:rPr lang="en-US" smtClean="0"/>
-              <a:t>6/4/2018</a:t>
+              <a:t>6/24/2018</a:t>
             </a:fld>
             <a:endParaRPr lang="en-US"/>
           </a:p>
@@ -10473,7 +10474,7 @@
           <a:p>
             <a:fld id="{27C813B7-FD4A-48D0-BF4D-9168513E280B}" type="datetimeFigureOut">
               <a:rPr lang="en-US" smtClean="0"/>
-              <a:t>6/4/2018</a:t>
+              <a:t>6/24/2018</a:t>
             </a:fld>
             <a:endParaRPr lang="en-US"/>
           </a:p>
@@ -13295,7 +13296,7 @@
           <a:p>
             <a:fld id="{27C813B7-FD4A-48D0-BF4D-9168513E280B}" type="datetimeFigureOut">
               <a:rPr lang="en-US" smtClean="0"/>
-              <a:t>6/4/2018</a:t>
+              <a:t>6/24/2018</a:t>
             </a:fld>
             <a:endParaRPr lang="en-US"/>
           </a:p>
@@ -13848,14 +13849,12 @@
         </p:nvSpPr>
         <p:spPr/>
         <p:txBody>
-          <a:bodyPr>
-            <a:normAutofit fontScale="90000"/>
-          </a:bodyPr>
+          <a:bodyPr/>
           <a:lstStyle/>
           <a:p>
             <a:r>
               <a:rPr lang="en-US" dirty="0" smtClean="0"/>
-              <a:t>Generate Random Sequence</a:t>
+              <a:t>Formulae sample</a:t>
             </a:r>
             <a:endParaRPr lang="en-US" dirty="0"/>
           </a:p>
@@ -13876,35 +13875,12 @@
           <a:bodyPr/>
           <a:lstStyle/>
           <a:p>
+            <a:endParaRPr lang="en-US" dirty="0" smtClean="0"/>
+          </a:p>
+          <a:p>
             <a:r>
               <a:rPr lang="en-US" dirty="0" smtClean="0"/>
-              <a:t>[1:30]</a:t>
-            </a:r>
-          </a:p>
-          <a:p>
-            <a:r>
-              <a:rPr lang="en-US" dirty="0" err="1" smtClean="0"/>
-              <a:t>Seq</a:t>
-            </a:r>
-            <a:r>
-              <a:rPr lang="en-US" dirty="0" smtClean="0"/>
-              <a:t>(2,10)</a:t>
-            </a:r>
-          </a:p>
-          <a:p>
-            <a:r>
-              <a:rPr lang="en-US" dirty="0" err="1" smtClean="0"/>
-              <a:t>Seq</a:t>
-            </a:r>
-            <a:r>
-              <a:rPr lang="en-US" dirty="0" smtClean="0"/>
-              <a:t>(2,10 by=2)</a:t>
-            </a:r>
-          </a:p>
-          <a:p>
-            <a:r>
-              <a:rPr lang="en-US" dirty="0" smtClean="0"/>
-              <a:t>Rep(x, time=5)</a:t>
+              <a:t>Variable = sum( (x-mean(x))^2) / ( Length(x)-1</a:t>
             </a:r>
           </a:p>
           <a:p>
@@ -13915,7 +13891,7 @@
     </p:spTree>
     <p:extLst>
       <p:ext uri="{BB962C8B-B14F-4D97-AF65-F5344CB8AC3E}">
-        <p14:creationId xmlns:p14="http://schemas.microsoft.com/office/powerpoint/2010/main" val="2541948497"/>
+        <p14:creationId xmlns:p14="http://schemas.microsoft.com/office/powerpoint/2010/main" val="3751096397"/>
       </p:ext>
     </p:extLst>
   </p:cSld>
@@ -13961,12 +13937,14 @@
         </p:nvSpPr>
         <p:spPr/>
         <p:txBody>
-          <a:bodyPr/>
+          <a:bodyPr>
+            <a:normAutofit fontScale="90000"/>
+          </a:bodyPr>
           <a:lstStyle/>
           <a:p>
             <a:r>
               <a:rPr lang="en-US" dirty="0" smtClean="0"/>
-              <a:t>Logical vector</a:t>
+              <a:t>Generate Random Sequence</a:t>
             </a:r>
             <a:endParaRPr lang="en-US" dirty="0"/>
           </a:p>
@@ -13989,28 +13967,33 @@
           <a:p>
             <a:r>
               <a:rPr lang="en-US" dirty="0" smtClean="0"/>
-              <a:t>Need separate explanation</a:t>
-            </a:r>
-          </a:p>
-          <a:p>
-            <a:endParaRPr lang="en-US" dirty="0"/>
-          </a:p>
-          <a:p>
+              <a:t>[1:30]</a:t>
+            </a:r>
+          </a:p>
+          <a:p>
+            <a:r>
+              <a:rPr lang="en-US" dirty="0" err="1" smtClean="0"/>
+              <a:t>Seq</a:t>
+            </a:r>
             <a:r>
               <a:rPr lang="en-US" dirty="0" smtClean="0"/>
-              <a:t>Temp &lt;-   x &gt; 13</a:t>
-            </a:r>
-          </a:p>
-          <a:p>
+              <a:t>(2,10)</a:t>
+            </a:r>
+          </a:p>
+          <a:p>
+            <a:r>
+              <a:rPr lang="en-US" dirty="0" err="1" smtClean="0"/>
+              <a:t>Seq</a:t>
+            </a:r>
             <a:r>
               <a:rPr lang="en-US" dirty="0" smtClean="0"/>
-              <a:t>&lt; &lt;=, &gt; , &gt;=</a:t>
+              <a:t>(2,10 by=2)</a:t>
             </a:r>
           </a:p>
           <a:p>
             <a:r>
               <a:rPr lang="en-US" dirty="0" smtClean="0"/>
-              <a:t>== , != , &amp;, |</a:t>
+              <a:t>Rep(x, time=5)</a:t>
             </a:r>
           </a:p>
           <a:p>
@@ -14021,7 +14004,7 @@
     </p:spTree>
     <p:extLst>
       <p:ext uri="{BB962C8B-B14F-4D97-AF65-F5344CB8AC3E}">
-        <p14:creationId xmlns:p14="http://schemas.microsoft.com/office/powerpoint/2010/main" val="2832455445"/>
+        <p14:creationId xmlns:p14="http://schemas.microsoft.com/office/powerpoint/2010/main" val="2541948497"/>
       </p:ext>
     </p:extLst>
   </p:cSld>
@@ -14072,7 +14055,7 @@
           <a:p>
             <a:r>
               <a:rPr lang="en-US" dirty="0" smtClean="0"/>
-              <a:t>Character Vector</a:t>
+              <a:t>Logical vector</a:t>
             </a:r>
             <a:endParaRPr lang="en-US" dirty="0"/>
           </a:p>
@@ -14095,78 +14078,31 @@
           <a:p>
             <a:r>
               <a:rPr lang="en-US" dirty="0" smtClean="0"/>
-              <a:t>Txt &lt;- c(“</a:t>
-            </a:r>
-            <a:r>
-              <a:rPr lang="en-US" dirty="0" err="1" smtClean="0"/>
-              <a:t>hyd</a:t>
-            </a:r>
+              <a:t>Need separate explanation</a:t>
+            </a:r>
+          </a:p>
+          <a:p>
+            <a:endParaRPr lang="en-US" dirty="0"/>
+          </a:p>
+          <a:p>
             <a:r>
               <a:rPr lang="en-US" dirty="0" smtClean="0"/>
-              <a:t>”,”Bang”,”</a:t>
-            </a:r>
-            <a:r>
-              <a:rPr lang="en-US" dirty="0" err="1" smtClean="0"/>
-              <a:t>Che</a:t>
-            </a:r>
+              <a:t>Temp &lt;-   x &gt; 13</a:t>
+            </a:r>
+          </a:p>
+          <a:p>
             <a:r>
               <a:rPr lang="en-US" dirty="0" smtClean="0"/>
-              <a:t>”)</a:t>
+              <a:t>&lt; &lt;=, &gt; , &gt;=</a:t>
             </a:r>
           </a:p>
           <a:p>
             <a:r>
               <a:rPr lang="en-US" dirty="0" smtClean="0"/>
-              <a:t>Paste()</a:t>
-            </a:r>
-          </a:p>
-          <a:p>
-            <a:r>
-              <a:rPr lang="en-US" dirty="0" smtClean="0"/>
-              <a:t>Paste( c(“</a:t>
-            </a:r>
-            <a:r>
-              <a:rPr lang="en-US" dirty="0" err="1" smtClean="0"/>
-              <a:t>x”,”y</a:t>
-            </a:r>
-            <a:r>
-              <a:rPr lang="en-US" dirty="0" smtClean="0"/>
-              <a:t>”), 1:10, </a:t>
-            </a:r>
-            <a:r>
-              <a:rPr lang="en-US" dirty="0" err="1" smtClean="0"/>
-              <a:t>sep</a:t>
-            </a:r>
-            <a:r>
-              <a:rPr lang="en-US" dirty="0" smtClean="0"/>
-              <a:t>=“”)</a:t>
-            </a:r>
-          </a:p>
-          <a:p>
-            <a:r>
-              <a:rPr lang="en-US" dirty="0" smtClean="0"/>
-              <a:t>Txt[1] # index</a:t>
-            </a:r>
-          </a:p>
-          <a:p>
-            <a:r>
-              <a:rPr lang="en-US" dirty="0" smtClean="0"/>
-              <a:t>Txt[2]</a:t>
-            </a:r>
-          </a:p>
-          <a:p>
-            <a:r>
-              <a:rPr lang="en-US" dirty="0" smtClean="0"/>
-              <a:t>Explain – Global </a:t>
-            </a:r>
-            <a:r>
-              <a:rPr lang="en-US" dirty="0" err="1" smtClean="0"/>
-              <a:t>Env</a:t>
-            </a:r>
-            <a:r>
-              <a:rPr lang="en-US" dirty="0" smtClean="0"/>
-              <a:t>, History in R studio</a:t>
-            </a:r>
+              <a:t>== , != , &amp;, |</a:t>
+            </a:r>
+          </a:p>
+          <a:p>
             <a:endParaRPr lang="en-US" dirty="0"/>
           </a:p>
         </p:txBody>
@@ -14174,7 +14110,7 @@
     </p:spTree>
     <p:extLst>
       <p:ext uri="{BB962C8B-B14F-4D97-AF65-F5344CB8AC3E}">
-        <p14:creationId xmlns:p14="http://schemas.microsoft.com/office/powerpoint/2010/main" val="2081936641"/>
+        <p14:creationId xmlns:p14="http://schemas.microsoft.com/office/powerpoint/2010/main" val="2832455445"/>
       </p:ext>
     </p:extLst>
   </p:cSld>
@@ -14225,7 +14161,7 @@
           <a:p>
             <a:r>
               <a:rPr lang="en-US" dirty="0" smtClean="0"/>
-              <a:t>Data Types</a:t>
+              <a:t>Character Vector</a:t>
             </a:r>
             <a:endParaRPr lang="en-US" dirty="0"/>
           </a:p>
@@ -14247,41 +14183,79 @@
           <a:lstStyle/>
           <a:p>
             <a:r>
-              <a:rPr lang="en-US" dirty="0"/>
-              <a:t>Vectors</a:t>
-            </a:r>
-          </a:p>
-          <a:p>
-            <a:r>
-              <a:rPr lang="en-US" dirty="0"/>
-              <a:t>Lists</a:t>
-            </a:r>
-          </a:p>
-          <a:p>
-            <a:r>
-              <a:rPr lang="en-US" dirty="0"/>
-              <a:t>Matrices</a:t>
-            </a:r>
-          </a:p>
-          <a:p>
-            <a:r>
-              <a:rPr lang="en-US" dirty="0"/>
-              <a:t>Arrays</a:t>
-            </a:r>
-          </a:p>
-          <a:p>
-            <a:r>
-              <a:rPr lang="en-US" dirty="0"/>
-              <a:t>Factors</a:t>
-            </a:r>
-          </a:p>
-          <a:p>
-            <a:r>
-              <a:rPr lang="en-US" dirty="0"/>
-              <a:t>Data Frames</a:t>
-            </a:r>
-          </a:p>
-          <a:p>
+              <a:rPr lang="en-US" dirty="0" smtClean="0"/>
+              <a:t>Txt &lt;- c(“</a:t>
+            </a:r>
+            <a:r>
+              <a:rPr lang="en-US" dirty="0" err="1" smtClean="0"/>
+              <a:t>hyd</a:t>
+            </a:r>
+            <a:r>
+              <a:rPr lang="en-US" dirty="0" smtClean="0"/>
+              <a:t>”,”Bang”,”</a:t>
+            </a:r>
+            <a:r>
+              <a:rPr lang="en-US" dirty="0" err="1" smtClean="0"/>
+              <a:t>Che</a:t>
+            </a:r>
+            <a:r>
+              <a:rPr lang="en-US" dirty="0" smtClean="0"/>
+              <a:t>”)</a:t>
+            </a:r>
+          </a:p>
+          <a:p>
+            <a:r>
+              <a:rPr lang="en-US" dirty="0" smtClean="0"/>
+              <a:t>Paste()</a:t>
+            </a:r>
+          </a:p>
+          <a:p>
+            <a:r>
+              <a:rPr lang="en-US" dirty="0" smtClean="0"/>
+              <a:t>Paste( c(“</a:t>
+            </a:r>
+            <a:r>
+              <a:rPr lang="en-US" dirty="0" err="1" smtClean="0"/>
+              <a:t>x”,”y</a:t>
+            </a:r>
+            <a:r>
+              <a:rPr lang="en-US" dirty="0" smtClean="0"/>
+              <a:t>”), 1:10, </a:t>
+            </a:r>
+            <a:r>
+              <a:rPr lang="en-US" dirty="0" err="1" smtClean="0"/>
+              <a:t>sep</a:t>
+            </a:r>
+            <a:r>
+              <a:rPr lang="en-US" dirty="0" smtClean="0"/>
+              <a:t>=“”)</a:t>
+            </a:r>
+          </a:p>
+          <a:p>
+            <a:r>
+              <a:rPr lang="en-US" dirty="0" smtClean="0"/>
+              <a:t>Txt[1] # index</a:t>
+            </a:r>
+          </a:p>
+          <a:p>
+            <a:r>
+              <a:rPr lang="en-US" dirty="0" smtClean="0"/>
+              <a:t>Txt[2]</a:t>
+            </a:r>
+          </a:p>
+          <a:p>
+            <a:r>
+              <a:rPr lang="en-US" dirty="0" smtClean="0"/>
+              <a:t>Explain – Global </a:t>
+            </a:r>
+            <a:r>
+              <a:rPr lang="en-US" dirty="0" err="1" smtClean="0"/>
+              <a:t>Env</a:t>
+            </a:r>
+            <a:r>
+              <a:rPr lang="en-US" dirty="0" smtClean="0"/>
+              <a:t>, History in R studio</a:t>
+            </a:r>
             <a:endParaRPr lang="en-US" dirty="0"/>
           </a:p>
         </p:txBody>
@@ -14289,7 +14263,7 @@
     </p:spTree>
     <p:extLst>
       <p:ext uri="{BB962C8B-B14F-4D97-AF65-F5344CB8AC3E}">
-        <p14:creationId xmlns:p14="http://schemas.microsoft.com/office/powerpoint/2010/main" val="1649008370"/>
+        <p14:creationId xmlns:p14="http://schemas.microsoft.com/office/powerpoint/2010/main" val="2081936641"/>
       </p:ext>
     </p:extLst>
   </p:cSld>
@@ -14340,7 +14314,7 @@
           <a:p>
             <a:r>
               <a:rPr lang="en-US" dirty="0" smtClean="0"/>
-              <a:t>Vector</a:t>
+              <a:t>Data Types</a:t>
             </a:r>
             <a:endParaRPr lang="en-US" dirty="0"/>
           </a:p>
@@ -14358,53 +14332,45 @@
         </p:nvSpPr>
         <p:spPr/>
         <p:txBody>
-          <a:bodyPr>
-            <a:normAutofit lnSpcReduction="10000"/>
-          </a:bodyPr>
+          <a:bodyPr/>
           <a:lstStyle/>
           <a:p>
             <a:r>
               <a:rPr lang="en-US" dirty="0"/>
-              <a:t>The simplest of these objects is the </a:t>
-            </a:r>
-            <a:r>
-              <a:rPr lang="en-US" b="1" dirty="0"/>
-              <a:t>vector object</a:t>
-            </a:r>
+              <a:t>Vectors</a:t>
+            </a:r>
+          </a:p>
+          <a:p>
             <a:r>
               <a:rPr lang="en-US" dirty="0"/>
-              <a:t> and there are six data types of these atomic vectors, also termed as six classes of vectors. The other R-Objects are built upon the atomic vectors</a:t>
-            </a:r>
-            <a:r>
-              <a:rPr lang="en-US" dirty="0" smtClean="0"/>
-              <a:t>.</a:t>
+              <a:t>Lists</a:t>
             </a:r>
           </a:p>
           <a:p>
             <a:r>
               <a:rPr lang="en-US" dirty="0"/>
-              <a:t>six classes of vectors</a:t>
-            </a:r>
-          </a:p>
-          <a:p>
-            <a:r>
-              <a:rPr lang="en-US" dirty="0" smtClean="0"/>
-              <a:t>Logical , Numeric, Integer, Complex,</a:t>
-            </a:r>
+              <a:t>Matrices</a:t>
+            </a:r>
+          </a:p>
+          <a:p>
             <a:r>
               <a:rPr lang="en-US" dirty="0"/>
-              <a:t> </a:t>
-            </a:r>
-            <a:r>
-              <a:rPr lang="en-US" dirty="0" smtClean="0"/>
-              <a:t>Character, Raw</a:t>
-            </a:r>
-          </a:p>
-          <a:p>
-            <a:r>
-              <a:rPr lang="en-US" dirty="0" smtClean="0"/>
-              <a:t>print(class(x)) : this give which type it is</a:t>
-            </a:r>
+              <a:t>Arrays</a:t>
+            </a:r>
+          </a:p>
+          <a:p>
+            <a:r>
+              <a:rPr lang="en-US" dirty="0"/>
+              <a:t>Factors</a:t>
+            </a:r>
+          </a:p>
+          <a:p>
+            <a:r>
+              <a:rPr lang="en-US" dirty="0"/>
+              <a:t>Data Frames</a:t>
+            </a:r>
+          </a:p>
+          <a:p>
             <a:endParaRPr lang="en-US" dirty="0"/>
           </a:p>
         </p:txBody>
@@ -14412,7 +14378,7 @@
     </p:spTree>
     <p:extLst>
       <p:ext uri="{BB962C8B-B14F-4D97-AF65-F5344CB8AC3E}">
-        <p14:creationId xmlns:p14="http://schemas.microsoft.com/office/powerpoint/2010/main" val="524584536"/>
+        <p14:creationId xmlns:p14="http://schemas.microsoft.com/office/powerpoint/2010/main" val="1649008370"/>
       </p:ext>
     </p:extLst>
   </p:cSld>
@@ -14461,6 +14427,10 @@
           <a:bodyPr/>
           <a:lstStyle/>
           <a:p>
+            <a:r>
+              <a:rPr lang="en-US" dirty="0" smtClean="0"/>
+              <a:t>Vector</a:t>
+            </a:r>
             <a:endParaRPr lang="en-US" dirty="0"/>
           </a:p>
         </p:txBody>
@@ -14477,51 +14447,53 @@
         </p:nvSpPr>
         <p:spPr/>
         <p:txBody>
-          <a:bodyPr/>
+          <a:bodyPr>
+            <a:normAutofit lnSpcReduction="10000"/>
+          </a:bodyPr>
           <a:lstStyle/>
           <a:p>
             <a:r>
               <a:rPr lang="en-US" dirty="0"/>
-              <a:t>&gt; #vector</a:t>
-            </a:r>
-          </a:p>
-          <a:p>
+              <a:t>The simplest of these objects is the </a:t>
+            </a:r>
+            <a:r>
+              <a:rPr lang="en-US" b="1" dirty="0"/>
+              <a:t>vector object</a:t>
+            </a:r>
             <a:r>
               <a:rPr lang="en-US" dirty="0"/>
-              <a:t>&gt; states &lt;- c("TS","AP","TN")</a:t>
+              <a:t> and there are six data types of these atomic vectors, also termed as six classes of vectors. The other R-Objects are built upon the atomic vectors</a:t>
+            </a:r>
+            <a:r>
+              <a:rPr lang="en-US" dirty="0" smtClean="0"/>
+              <a:t>.</a:t>
             </a:r>
           </a:p>
           <a:p>
             <a:r>
               <a:rPr lang="en-US" dirty="0"/>
-              <a:t>&gt; states</a:t>
-            </a:r>
-          </a:p>
-          <a:p>
+              <a:t>six classes of vectors</a:t>
+            </a:r>
+          </a:p>
+          <a:p>
+            <a:r>
+              <a:rPr lang="en-US" dirty="0" smtClean="0"/>
+              <a:t>Logical , Numeric, Integer, Complex,</a:t>
+            </a:r>
             <a:r>
               <a:rPr lang="en-US" dirty="0"/>
-              <a:t>[1] "TS" "AP" "TN"</a:t>
-            </a:r>
-          </a:p>
-          <a:p>
-            <a:r>
-              <a:rPr lang="en-US" dirty="0"/>
-              <a:t>&gt; print(class(states))</a:t>
-            </a:r>
-          </a:p>
-          <a:p>
-            <a:r>
-              <a:rPr lang="en-US" dirty="0"/>
-              <a:t>[1] "character"</a:t>
-            </a:r>
-          </a:p>
-          <a:p>
-            <a:r>
-              <a:rPr lang="en-US" dirty="0"/>
-              <a:t>&gt; </a:t>
-            </a:r>
-          </a:p>
-          <a:p>
+              <a:t> </a:t>
+            </a:r>
+            <a:r>
+              <a:rPr lang="en-US" dirty="0" smtClean="0"/>
+              <a:t>Character, Raw</a:t>
+            </a:r>
+          </a:p>
+          <a:p>
+            <a:r>
+              <a:rPr lang="en-US" dirty="0" smtClean="0"/>
+              <a:t>print(class(x)) : this give which type it is</a:t>
+            </a:r>
             <a:endParaRPr lang="en-US" dirty="0"/>
           </a:p>
         </p:txBody>
@@ -14529,7 +14501,7 @@
     </p:spTree>
     <p:extLst>
       <p:ext uri="{BB962C8B-B14F-4D97-AF65-F5344CB8AC3E}">
-        <p14:creationId xmlns:p14="http://schemas.microsoft.com/office/powerpoint/2010/main" val="544291897"/>
+        <p14:creationId xmlns:p14="http://schemas.microsoft.com/office/powerpoint/2010/main" val="524584536"/>
       </p:ext>
     </p:extLst>
   </p:cSld>
@@ -14578,10 +14550,6 @@
           <a:bodyPr/>
           <a:lstStyle/>
           <a:p>
-            <a:r>
-              <a:rPr lang="en-US" dirty="0" smtClean="0"/>
-              <a:t>LIST </a:t>
-            </a:r>
             <a:endParaRPr lang="en-US" dirty="0"/>
           </a:p>
         </p:txBody>
@@ -14603,41 +14571,37 @@
           <a:p>
             <a:r>
               <a:rPr lang="en-US" dirty="0"/>
-              <a:t>A list is an R-object which can contain </a:t>
-            </a:r>
-            <a:r>
-              <a:rPr lang="en-US" b="1" dirty="0">
-                <a:solidFill>
-                  <a:srgbClr val="FF0000"/>
-                </a:solidFill>
-              </a:rPr>
-              <a:t>many different types of elements </a:t>
-            </a:r>
+              <a:t>&gt; #vector</a:t>
+            </a:r>
+          </a:p>
+          <a:p>
             <a:r>
               <a:rPr lang="en-US" dirty="0"/>
-              <a:t>inside it like vectors, functions and even another list inside it</a:t>
-            </a:r>
-            <a:r>
-              <a:rPr lang="en-US" dirty="0" smtClean="0"/>
-              <a:t>.</a:t>
+              <a:t>&gt; states &lt;- c("TS","AP","TN")</a:t>
             </a:r>
           </a:p>
           <a:p>
             <a:r>
               <a:rPr lang="en-US" dirty="0"/>
-              <a:t>&gt; list1 &lt;- </a:t>
-            </a:r>
-            <a:r>
-              <a:rPr lang="en-US" b="1" dirty="0">
-                <a:solidFill>
-                  <a:srgbClr val="FF0000"/>
-                </a:solidFill>
-              </a:rPr>
-              <a:t>list</a:t>
-            </a:r>
+              <a:t>&gt; states</a:t>
+            </a:r>
+          </a:p>
+          <a:p>
             <a:r>
               <a:rPr lang="en-US" dirty="0"/>
-              <a:t>(c("TS","AP","TN"),log(15),sin(45))</a:t>
+              <a:t>[1] "TS" "AP" "TN"</a:t>
+            </a:r>
+          </a:p>
+          <a:p>
+            <a:r>
+              <a:rPr lang="en-US" dirty="0"/>
+              <a:t>&gt; print(class(states))</a:t>
+            </a:r>
+          </a:p>
+          <a:p>
+            <a:r>
+              <a:rPr lang="en-US" dirty="0"/>
+              <a:t>[1] "character"</a:t>
             </a:r>
           </a:p>
           <a:p>
@@ -14645,23 +14609,16 @@
               <a:rPr lang="en-US" dirty="0"/>
               <a:t>&gt; </a:t>
             </a:r>
-            <a:r>
-              <a:rPr lang="en-US" dirty="0" smtClean="0"/>
-              <a:t>list1</a:t>
-            </a:r>
-          </a:p>
-          <a:p>
-            <a:r>
-              <a:rPr lang="en-US" dirty="0"/>
-              <a:t>print(class(list1))</a:t>
-            </a:r>
+          </a:p>
+          <a:p>
+            <a:endParaRPr lang="en-US" dirty="0"/>
           </a:p>
         </p:txBody>
       </p:sp>
     </p:spTree>
     <p:extLst>
       <p:ext uri="{BB962C8B-B14F-4D97-AF65-F5344CB8AC3E}">
-        <p14:creationId xmlns:p14="http://schemas.microsoft.com/office/powerpoint/2010/main" val="3363877428"/>
+        <p14:creationId xmlns:p14="http://schemas.microsoft.com/office/powerpoint/2010/main" val="544291897"/>
       </p:ext>
     </p:extLst>
   </p:cSld>
@@ -14712,6 +14669,138 @@
           <a:p>
             <a:r>
               <a:rPr lang="en-US" dirty="0" smtClean="0"/>
+              <a:t>LIST </a:t>
+            </a:r>
+            <a:endParaRPr lang="en-US" dirty="0"/>
+          </a:p>
+        </p:txBody>
+      </p:sp>
+      <p:sp>
+        <p:nvSpPr>
+          <p:cNvPr id="3" name="Content Placeholder 2"/>
+          <p:cNvSpPr>
+            <a:spLocks noGrp="1"/>
+          </p:cNvSpPr>
+          <p:nvPr>
+            <p:ph idx="1"/>
+          </p:nvPr>
+        </p:nvSpPr>
+        <p:spPr/>
+        <p:txBody>
+          <a:bodyPr/>
+          <a:lstStyle/>
+          <a:p>
+            <a:r>
+              <a:rPr lang="en-US" dirty="0"/>
+              <a:t>A list is an R-object which can contain </a:t>
+            </a:r>
+            <a:r>
+              <a:rPr lang="en-US" b="1" dirty="0">
+                <a:solidFill>
+                  <a:srgbClr val="FF0000"/>
+                </a:solidFill>
+              </a:rPr>
+              <a:t>many different types of elements </a:t>
+            </a:r>
+            <a:r>
+              <a:rPr lang="en-US" dirty="0"/>
+              <a:t>inside it like vectors, functions and even another list inside it</a:t>
+            </a:r>
+            <a:r>
+              <a:rPr lang="en-US" dirty="0" smtClean="0"/>
+              <a:t>.</a:t>
+            </a:r>
+          </a:p>
+          <a:p>
+            <a:r>
+              <a:rPr lang="en-US" dirty="0"/>
+              <a:t>&gt; list1 &lt;- </a:t>
+            </a:r>
+            <a:r>
+              <a:rPr lang="en-US" b="1" dirty="0">
+                <a:solidFill>
+                  <a:srgbClr val="FF0000"/>
+                </a:solidFill>
+              </a:rPr>
+              <a:t>list</a:t>
+            </a:r>
+            <a:r>
+              <a:rPr lang="en-US" dirty="0"/>
+              <a:t>(c("TS","AP","TN"),log(15),sin(45))</a:t>
+            </a:r>
+          </a:p>
+          <a:p>
+            <a:r>
+              <a:rPr lang="en-US" dirty="0"/>
+              <a:t>&gt; </a:t>
+            </a:r>
+            <a:r>
+              <a:rPr lang="en-US" dirty="0" smtClean="0"/>
+              <a:t>list1</a:t>
+            </a:r>
+          </a:p>
+          <a:p>
+            <a:r>
+              <a:rPr lang="en-US" dirty="0"/>
+              <a:t>print(class(list1))</a:t>
+            </a:r>
+          </a:p>
+        </p:txBody>
+      </p:sp>
+    </p:spTree>
+    <p:extLst>
+      <p:ext uri="{BB962C8B-B14F-4D97-AF65-F5344CB8AC3E}">
+        <p14:creationId xmlns:p14="http://schemas.microsoft.com/office/powerpoint/2010/main" val="3363877428"/>
+      </p:ext>
+    </p:extLst>
+  </p:cSld>
+  <p:clrMapOvr>
+    <a:masterClrMapping/>
+  </p:clrMapOvr>
+  <p:timing>
+    <p:tnLst>
+      <p:par>
+        <p:cTn id="1" dur="indefinite" restart="never" nodeType="tmRoot"/>
+      </p:par>
+    </p:tnLst>
+  </p:timing>
+</p:sld>
+</file>
+
+<file path=ppt/slides/slide18.xml><?xml version="1.0" encoding="utf-8"?>
+<p:sld xmlns:a="http://schemas.openxmlformats.org/drawingml/2006/main" xmlns:r="http://schemas.openxmlformats.org/officeDocument/2006/relationships" xmlns:p="http://schemas.openxmlformats.org/presentationml/2006/main">
+  <p:cSld>
+    <p:spTree>
+      <p:nvGrpSpPr>
+        <p:cNvPr id="1" name=""/>
+        <p:cNvGrpSpPr/>
+        <p:nvPr/>
+      </p:nvGrpSpPr>
+      <p:grpSpPr>
+        <a:xfrm>
+          <a:off x="0" y="0"/>
+          <a:ext cx="0" cy="0"/>
+          <a:chOff x="0" y="0"/>
+          <a:chExt cx="0" cy="0"/>
+        </a:xfrm>
+      </p:grpSpPr>
+      <p:sp>
+        <p:nvSpPr>
+          <p:cNvPr id="2" name="Title 1"/>
+          <p:cNvSpPr>
+            <a:spLocks noGrp="1"/>
+          </p:cNvSpPr>
+          <p:nvPr>
+            <p:ph type="title"/>
+          </p:nvPr>
+        </p:nvSpPr>
+        <p:spPr/>
+        <p:txBody>
+          <a:bodyPr/>
+          <a:lstStyle/>
+          <a:p>
+            <a:r>
+              <a:rPr lang="en-US" dirty="0" smtClean="0"/>
               <a:t>matrix</a:t>
             </a:r>
             <a:endParaRPr lang="en-US" dirty="0"/>
@@ -14834,7 +14923,7 @@
 </p:sld>
 </file>
 
-<file path=ppt/slides/slide18.xml><?xml version="1.0" encoding="utf-8"?>
+<file path=ppt/slides/slide19.xml><?xml version="1.0" encoding="utf-8"?>
 <p:sld xmlns:a="http://schemas.openxmlformats.org/drawingml/2006/main" xmlns:r="http://schemas.openxmlformats.org/officeDocument/2006/relationships" xmlns:p="http://schemas.openxmlformats.org/presentationml/2006/main">
   <p:cSld>
     <p:spTree>
@@ -15046,7 +15135,7 @@
 </p:sld>
 </file>
 
-<file path=ppt/slides/slide19.xml><?xml version="1.0" encoding="utf-8"?>
+<file path=ppt/slides/slide2.xml><?xml version="1.0" encoding="utf-8"?>
 <p:sld xmlns:a="http://schemas.openxmlformats.org/drawingml/2006/main" xmlns:r="http://schemas.openxmlformats.org/officeDocument/2006/relationships" xmlns:p="http://schemas.openxmlformats.org/presentationml/2006/main">
   <p:cSld>
     <p:spTree>
@@ -15078,6 +15167,102 @@
           <a:bodyPr/>
           <a:lstStyle/>
           <a:p>
+            <a:endParaRPr lang="en-US"/>
+          </a:p>
+        </p:txBody>
+      </p:sp>
+      <p:sp>
+        <p:nvSpPr>
+          <p:cNvPr id="3" name="Content Placeholder 2"/>
+          <p:cNvSpPr>
+            <a:spLocks noGrp="1"/>
+          </p:cNvSpPr>
+          <p:nvPr>
+            <p:ph idx="1"/>
+          </p:nvPr>
+        </p:nvSpPr>
+        <p:spPr/>
+        <p:txBody>
+          <a:bodyPr/>
+          <a:lstStyle/>
+          <a:p>
+            <a:r>
+              <a:rPr lang="en-US" dirty="0" smtClean="0"/>
+              <a:t>R studio – basic</a:t>
+            </a:r>
+          </a:p>
+          <a:p>
+            <a:r>
+              <a:rPr lang="en-US" dirty="0" smtClean="0"/>
+              <a:t>Variables</a:t>
+            </a:r>
+          </a:p>
+          <a:p>
+            <a:r>
+              <a:rPr lang="en-US" dirty="0" smtClean="0"/>
+              <a:t>Data Types – Vectors , Lists, Matrices, Array, Factors, Data Frame</a:t>
+            </a:r>
+          </a:p>
+          <a:p>
+            <a:r>
+              <a:rPr lang="en-US" dirty="0" smtClean="0"/>
+              <a:t>Vectors -&gt; Logical, Numeric, Integer, Complex</a:t>
+            </a:r>
+            <a:r>
+              <a:rPr lang="en-US" smtClean="0"/>
+              <a:t>, Character, Raw.</a:t>
+            </a:r>
+          </a:p>
+          <a:p>
+            <a:endParaRPr lang="en-US"/>
+          </a:p>
+        </p:txBody>
+      </p:sp>
+    </p:spTree>
+    <p:extLst>
+      <p:ext uri="{BB962C8B-B14F-4D97-AF65-F5344CB8AC3E}">
+        <p14:creationId xmlns:p14="http://schemas.microsoft.com/office/powerpoint/2010/main" val="74251198"/>
+      </p:ext>
+    </p:extLst>
+  </p:cSld>
+  <p:clrMapOvr>
+    <a:masterClrMapping/>
+  </p:clrMapOvr>
+</p:sld>
+</file>
+
+<file path=ppt/slides/slide20.xml><?xml version="1.0" encoding="utf-8"?>
+<p:sld xmlns:a="http://schemas.openxmlformats.org/drawingml/2006/main" xmlns:r="http://schemas.openxmlformats.org/officeDocument/2006/relationships" xmlns:p="http://schemas.openxmlformats.org/presentationml/2006/main">
+  <p:cSld>
+    <p:spTree>
+      <p:nvGrpSpPr>
+        <p:cNvPr id="1" name=""/>
+        <p:cNvGrpSpPr/>
+        <p:nvPr/>
+      </p:nvGrpSpPr>
+      <p:grpSpPr>
+        <a:xfrm>
+          <a:off x="0" y="0"/>
+          <a:ext cx="0" cy="0"/>
+          <a:chOff x="0" y="0"/>
+          <a:chExt cx="0" cy="0"/>
+        </a:xfrm>
+      </p:grpSpPr>
+      <p:sp>
+        <p:nvSpPr>
+          <p:cNvPr id="2" name="Title 1"/>
+          <p:cNvSpPr>
+            <a:spLocks noGrp="1"/>
+          </p:cNvSpPr>
+          <p:nvPr>
+            <p:ph type="title"/>
+          </p:nvPr>
+        </p:nvSpPr>
+        <p:spPr/>
+        <p:txBody>
+          <a:bodyPr/>
+          <a:lstStyle/>
+          <a:p>
             <a:r>
               <a:rPr lang="en-US" dirty="0" smtClean="0"/>
               <a:t>Arrays</a:t>
@@ -15306,7 +15491,917 @@
 </p:sld>
 </file>
 
-<file path=ppt/slides/slide2.xml><?xml version="1.0" encoding="utf-8"?>
+<file path=ppt/slides/slide21.xml><?xml version="1.0" encoding="utf-8"?>
+<p:sld xmlns:a="http://schemas.openxmlformats.org/drawingml/2006/main" xmlns:r="http://schemas.openxmlformats.org/officeDocument/2006/relationships" xmlns:p="http://schemas.openxmlformats.org/presentationml/2006/main">
+  <p:cSld>
+    <p:spTree>
+      <p:nvGrpSpPr>
+        <p:cNvPr id="1" name=""/>
+        <p:cNvGrpSpPr/>
+        <p:nvPr/>
+      </p:nvGrpSpPr>
+      <p:grpSpPr>
+        <a:xfrm>
+          <a:off x="0" y="0"/>
+          <a:ext cx="0" cy="0"/>
+          <a:chOff x="0" y="0"/>
+          <a:chExt cx="0" cy="0"/>
+        </a:xfrm>
+      </p:grpSpPr>
+      <p:sp>
+        <p:nvSpPr>
+          <p:cNvPr id="2" name="Title 1"/>
+          <p:cNvSpPr>
+            <a:spLocks noGrp="1"/>
+          </p:cNvSpPr>
+          <p:nvPr>
+            <p:ph type="title"/>
+          </p:nvPr>
+        </p:nvSpPr>
+        <p:spPr/>
+        <p:txBody>
+          <a:bodyPr/>
+          <a:lstStyle/>
+          <a:p>
+            <a:r>
+              <a:rPr lang="en-US" dirty="0" smtClean="0"/>
+              <a:t>Array with dim</a:t>
+            </a:r>
+            <a:endParaRPr lang="en-US" dirty="0"/>
+          </a:p>
+        </p:txBody>
+      </p:sp>
+      <p:sp>
+        <p:nvSpPr>
+          <p:cNvPr id="3" name="Content Placeholder 2"/>
+          <p:cNvSpPr>
+            <a:spLocks noGrp="1"/>
+          </p:cNvSpPr>
+          <p:nvPr>
+            <p:ph idx="1"/>
+          </p:nvPr>
+        </p:nvSpPr>
+        <p:spPr/>
+        <p:txBody>
+          <a:bodyPr/>
+          <a:lstStyle/>
+          <a:p>
+            <a:r>
+              <a:rPr lang="pt-BR" dirty="0"/>
+              <a:t>&gt; ar &lt;- array(c("Green","blue"),dim=c(2,3))</a:t>
+            </a:r>
+          </a:p>
+          <a:p>
+            <a:r>
+              <a:rPr lang="pt-BR" dirty="0"/>
+              <a:t>&gt; ar</a:t>
+            </a:r>
+          </a:p>
+          <a:p>
+            <a:endParaRPr lang="en-US" dirty="0"/>
+          </a:p>
+        </p:txBody>
+      </p:sp>
+    </p:spTree>
+    <p:extLst>
+      <p:ext uri="{BB962C8B-B14F-4D97-AF65-F5344CB8AC3E}">
+        <p14:creationId xmlns:p14="http://schemas.microsoft.com/office/powerpoint/2010/main" val="1546192328"/>
+      </p:ext>
+    </p:extLst>
+  </p:cSld>
+  <p:clrMapOvr>
+    <a:masterClrMapping/>
+  </p:clrMapOvr>
+  <p:timing>
+    <p:tnLst>
+      <p:par>
+        <p:cTn id="1" dur="indefinite" restart="never" nodeType="tmRoot"/>
+      </p:par>
+    </p:tnLst>
+  </p:timing>
+</p:sld>
+</file>
+
+<file path=ppt/slides/slide22.xml><?xml version="1.0" encoding="utf-8"?>
+<p:sld xmlns:a="http://schemas.openxmlformats.org/drawingml/2006/main" xmlns:r="http://schemas.openxmlformats.org/officeDocument/2006/relationships" xmlns:p="http://schemas.openxmlformats.org/presentationml/2006/main">
+  <p:cSld>
+    <p:spTree>
+      <p:nvGrpSpPr>
+        <p:cNvPr id="1" name=""/>
+        <p:cNvGrpSpPr/>
+        <p:nvPr/>
+      </p:nvGrpSpPr>
+      <p:grpSpPr>
+        <a:xfrm>
+          <a:off x="0" y="0"/>
+          <a:ext cx="0" cy="0"/>
+          <a:chOff x="0" y="0"/>
+          <a:chExt cx="0" cy="0"/>
+        </a:xfrm>
+      </p:grpSpPr>
+      <p:sp>
+        <p:nvSpPr>
+          <p:cNvPr id="2" name="Title 1"/>
+          <p:cNvSpPr>
+            <a:spLocks noGrp="1"/>
+          </p:cNvSpPr>
+          <p:nvPr>
+            <p:ph type="title"/>
+          </p:nvPr>
+        </p:nvSpPr>
+        <p:spPr/>
+        <p:txBody>
+          <a:bodyPr/>
+          <a:lstStyle/>
+          <a:p>
+            <a:r>
+              <a:rPr lang="en-US" dirty="0" smtClean="0"/>
+              <a:t>Factors</a:t>
+            </a:r>
+            <a:endParaRPr lang="en-US" dirty="0"/>
+          </a:p>
+        </p:txBody>
+      </p:sp>
+      <p:sp>
+        <p:nvSpPr>
+          <p:cNvPr id="3" name="Content Placeholder 2"/>
+          <p:cNvSpPr>
+            <a:spLocks noGrp="1"/>
+          </p:cNvSpPr>
+          <p:nvPr>
+            <p:ph idx="1"/>
+          </p:nvPr>
+        </p:nvSpPr>
+        <p:spPr/>
+        <p:txBody>
+          <a:bodyPr>
+            <a:normAutofit fontScale="92500"/>
+          </a:bodyPr>
+          <a:lstStyle/>
+          <a:p>
+            <a:r>
+              <a:rPr lang="en-US" dirty="0"/>
+              <a:t>Factors are </a:t>
+            </a:r>
+            <a:r>
+              <a:rPr lang="en-US" b="1" i="1" dirty="0"/>
+              <a:t>the r-objects </a:t>
+            </a:r>
+            <a:r>
+              <a:rPr lang="en-US" dirty="0"/>
+              <a:t>which are created </a:t>
+            </a:r>
+            <a:r>
+              <a:rPr lang="en-US" b="1" i="1" dirty="0"/>
+              <a:t>using a vector</a:t>
+            </a:r>
+            <a:r>
+              <a:rPr lang="en-US" dirty="0" smtClean="0"/>
+              <a:t>.</a:t>
+            </a:r>
+          </a:p>
+          <a:p>
+            <a:r>
+              <a:rPr lang="en-US" dirty="0" smtClean="0"/>
+              <a:t> </a:t>
+            </a:r>
+            <a:r>
+              <a:rPr lang="en-US" dirty="0"/>
+              <a:t>It stores the vector along with the distinct values of the elements in the </a:t>
+            </a:r>
+            <a:r>
+              <a:rPr lang="en-US" b="1" dirty="0"/>
+              <a:t>vector as labels</a:t>
+            </a:r>
+            <a:r>
+              <a:rPr lang="en-US" dirty="0" smtClean="0"/>
+              <a:t>.</a:t>
+            </a:r>
+          </a:p>
+          <a:p>
+            <a:r>
+              <a:rPr lang="en-US" dirty="0" smtClean="0"/>
+              <a:t> </a:t>
+            </a:r>
+            <a:r>
+              <a:rPr lang="en-US" dirty="0"/>
+              <a:t>The labels are </a:t>
+            </a:r>
+            <a:r>
+              <a:rPr lang="en-US" b="1" i="1" dirty="0"/>
+              <a:t>always character </a:t>
+            </a:r>
+            <a:r>
+              <a:rPr lang="en-US" dirty="0"/>
+              <a:t>irrespective of whether it is numeric or character or Boolean etc. in the input vector. They are useful in </a:t>
+            </a:r>
+            <a:r>
+              <a:rPr lang="en-US" b="1" dirty="0">
+                <a:solidFill>
+                  <a:schemeClr val="tx1"/>
+                </a:solidFill>
+              </a:rPr>
+              <a:t>statistical modeling.</a:t>
+            </a:r>
+          </a:p>
+        </p:txBody>
+      </p:sp>
+    </p:spTree>
+    <p:extLst>
+      <p:ext uri="{BB962C8B-B14F-4D97-AF65-F5344CB8AC3E}">
+        <p14:creationId xmlns:p14="http://schemas.microsoft.com/office/powerpoint/2010/main" val="4012838436"/>
+      </p:ext>
+    </p:extLst>
+  </p:cSld>
+  <p:clrMapOvr>
+    <a:masterClrMapping/>
+  </p:clrMapOvr>
+  <p:timing>
+    <p:tnLst>
+      <p:par>
+        <p:cTn id="1" dur="indefinite" restart="never" nodeType="tmRoot"/>
+      </p:par>
+    </p:tnLst>
+  </p:timing>
+</p:sld>
+</file>
+
+<file path=ppt/slides/slide23.xml><?xml version="1.0" encoding="utf-8"?>
+<p:sld xmlns:a="http://schemas.openxmlformats.org/drawingml/2006/main" xmlns:r="http://schemas.openxmlformats.org/officeDocument/2006/relationships" xmlns:p="http://schemas.openxmlformats.org/presentationml/2006/main">
+  <p:cSld>
+    <p:spTree>
+      <p:nvGrpSpPr>
+        <p:cNvPr id="1" name=""/>
+        <p:cNvGrpSpPr/>
+        <p:nvPr/>
+      </p:nvGrpSpPr>
+      <p:grpSpPr>
+        <a:xfrm>
+          <a:off x="0" y="0"/>
+          <a:ext cx="0" cy="0"/>
+          <a:chOff x="0" y="0"/>
+          <a:chExt cx="0" cy="0"/>
+        </a:xfrm>
+      </p:grpSpPr>
+      <p:sp>
+        <p:nvSpPr>
+          <p:cNvPr id="2" name="Title 1"/>
+          <p:cNvSpPr>
+            <a:spLocks noGrp="1"/>
+          </p:cNvSpPr>
+          <p:nvPr>
+            <p:ph type="title"/>
+          </p:nvPr>
+        </p:nvSpPr>
+        <p:spPr/>
+        <p:txBody>
+          <a:bodyPr/>
+          <a:lstStyle/>
+          <a:p>
+            <a:r>
+              <a:rPr lang="en-US" dirty="0" smtClean="0"/>
+              <a:t>Factors</a:t>
+            </a:r>
+            <a:endParaRPr lang="en-US" dirty="0"/>
+          </a:p>
+        </p:txBody>
+      </p:sp>
+      <p:sp>
+        <p:nvSpPr>
+          <p:cNvPr id="3" name="Content Placeholder 2"/>
+          <p:cNvSpPr>
+            <a:spLocks noGrp="1"/>
+          </p:cNvSpPr>
+          <p:nvPr>
+            <p:ph idx="1"/>
+          </p:nvPr>
+        </p:nvSpPr>
+        <p:spPr/>
+        <p:txBody>
+          <a:bodyPr/>
+          <a:lstStyle/>
+          <a:p>
+            <a:r>
+              <a:rPr lang="en-US" dirty="0"/>
+              <a:t>&gt; </a:t>
+            </a:r>
+            <a:r>
+              <a:rPr lang="en-US" dirty="0" err="1"/>
+              <a:t>states_in_india</a:t>
+            </a:r>
+            <a:r>
+              <a:rPr lang="en-US" dirty="0"/>
+              <a:t> = array(c("TN","AP","TS","KT","TS","AP"))</a:t>
+            </a:r>
+          </a:p>
+          <a:p>
+            <a:r>
+              <a:rPr lang="en-US" dirty="0"/>
+              <a:t>&gt; </a:t>
+            </a:r>
+            <a:r>
+              <a:rPr lang="en-US" dirty="0" err="1"/>
+              <a:t>fa_india</a:t>
+            </a:r>
+            <a:r>
+              <a:rPr lang="en-US" dirty="0"/>
+              <a:t> = </a:t>
+            </a:r>
+            <a:r>
+              <a:rPr lang="en-US" b="1" dirty="0">
+                <a:solidFill>
+                  <a:schemeClr val="tx1"/>
+                </a:solidFill>
+              </a:rPr>
+              <a:t>factor</a:t>
+            </a:r>
+            <a:r>
+              <a:rPr lang="en-US" dirty="0"/>
+              <a:t>(</a:t>
+            </a:r>
+            <a:r>
+              <a:rPr lang="en-US" dirty="0" err="1"/>
+              <a:t>states_in_india</a:t>
+            </a:r>
+            <a:r>
+              <a:rPr lang="en-US" dirty="0"/>
+              <a:t>)</a:t>
+            </a:r>
+          </a:p>
+          <a:p>
+            <a:r>
+              <a:rPr lang="en-US" dirty="0"/>
+              <a:t>&gt; </a:t>
+            </a:r>
+            <a:r>
+              <a:rPr lang="en-US" dirty="0" err="1"/>
+              <a:t>fa_india</a:t>
+            </a:r>
+            <a:endParaRPr lang="en-US" dirty="0"/>
+          </a:p>
+          <a:p>
+            <a:r>
+              <a:rPr lang="en-US" dirty="0"/>
+              <a:t>[1] TN AP TS KT TS AP</a:t>
+            </a:r>
+          </a:p>
+          <a:p>
+            <a:r>
+              <a:rPr lang="en-US" b="1" dirty="0"/>
+              <a:t>Levels</a:t>
+            </a:r>
+            <a:r>
+              <a:rPr lang="en-US" dirty="0"/>
+              <a:t>: AP KT TN TS</a:t>
+            </a:r>
+          </a:p>
+          <a:p>
+            <a:r>
+              <a:rPr lang="en-US" dirty="0"/>
+              <a:t>&gt; </a:t>
+            </a:r>
+          </a:p>
+        </p:txBody>
+      </p:sp>
+    </p:spTree>
+    <p:extLst>
+      <p:ext uri="{BB962C8B-B14F-4D97-AF65-F5344CB8AC3E}">
+        <p14:creationId xmlns:p14="http://schemas.microsoft.com/office/powerpoint/2010/main" val="2494793415"/>
+      </p:ext>
+    </p:extLst>
+  </p:cSld>
+  <p:clrMapOvr>
+    <a:masterClrMapping/>
+  </p:clrMapOvr>
+  <p:timing>
+    <p:tnLst>
+      <p:par>
+        <p:cTn id="1" dur="indefinite" restart="never" nodeType="tmRoot"/>
+      </p:par>
+    </p:tnLst>
+  </p:timing>
+</p:sld>
+</file>
+
+<file path=ppt/slides/slide24.xml><?xml version="1.0" encoding="utf-8"?>
+<p:sld xmlns:a="http://schemas.openxmlformats.org/drawingml/2006/main" xmlns:r="http://schemas.openxmlformats.org/officeDocument/2006/relationships" xmlns:p="http://schemas.openxmlformats.org/presentationml/2006/main">
+  <p:cSld>
+    <p:spTree>
+      <p:nvGrpSpPr>
+        <p:cNvPr id="1" name=""/>
+        <p:cNvGrpSpPr/>
+        <p:nvPr/>
+      </p:nvGrpSpPr>
+      <p:grpSpPr>
+        <a:xfrm>
+          <a:off x="0" y="0"/>
+          <a:ext cx="0" cy="0"/>
+          <a:chOff x="0" y="0"/>
+          <a:chExt cx="0" cy="0"/>
+        </a:xfrm>
+      </p:grpSpPr>
+      <p:sp>
+        <p:nvSpPr>
+          <p:cNvPr id="2" name="Title 1"/>
+          <p:cNvSpPr>
+            <a:spLocks noGrp="1"/>
+          </p:cNvSpPr>
+          <p:nvPr>
+            <p:ph type="title"/>
+          </p:nvPr>
+        </p:nvSpPr>
+        <p:spPr/>
+        <p:txBody>
+          <a:bodyPr/>
+          <a:lstStyle/>
+          <a:p>
+            <a:r>
+              <a:rPr lang="en-US" dirty="0" smtClean="0"/>
+              <a:t>Factor</a:t>
+            </a:r>
+            <a:endParaRPr lang="en-US" dirty="0"/>
+          </a:p>
+        </p:txBody>
+      </p:sp>
+      <p:sp>
+        <p:nvSpPr>
+          <p:cNvPr id="3" name="Content Placeholder 2"/>
+          <p:cNvSpPr>
+            <a:spLocks noGrp="1"/>
+          </p:cNvSpPr>
+          <p:nvPr>
+            <p:ph idx="1"/>
+          </p:nvPr>
+        </p:nvSpPr>
+        <p:spPr/>
+        <p:txBody>
+          <a:bodyPr/>
+          <a:lstStyle/>
+          <a:p>
+            <a:r>
+              <a:rPr lang="en-US" dirty="0"/>
+              <a:t>&gt; </a:t>
+            </a:r>
+            <a:r>
+              <a:rPr lang="en-US" dirty="0" err="1"/>
+              <a:t>nlevels</a:t>
+            </a:r>
+            <a:r>
+              <a:rPr lang="en-US" dirty="0"/>
+              <a:t>(</a:t>
+            </a:r>
+            <a:r>
+              <a:rPr lang="en-US" dirty="0" err="1"/>
+              <a:t>states_in_india</a:t>
+            </a:r>
+            <a:r>
+              <a:rPr lang="en-US" dirty="0"/>
+              <a:t>)</a:t>
+            </a:r>
+          </a:p>
+          <a:p>
+            <a:r>
+              <a:rPr lang="en-US" dirty="0"/>
+              <a:t>[1] 0</a:t>
+            </a:r>
+          </a:p>
+          <a:p>
+            <a:r>
+              <a:rPr lang="en-US" dirty="0"/>
+              <a:t>&gt; </a:t>
+            </a:r>
+            <a:r>
+              <a:rPr lang="en-US" dirty="0" err="1"/>
+              <a:t>nlevels</a:t>
+            </a:r>
+            <a:r>
+              <a:rPr lang="en-US" dirty="0"/>
+              <a:t>(</a:t>
+            </a:r>
+            <a:r>
+              <a:rPr lang="en-US" dirty="0" err="1"/>
+              <a:t>fa_india</a:t>
+            </a:r>
+            <a:r>
+              <a:rPr lang="en-US" dirty="0"/>
+              <a:t>)</a:t>
+            </a:r>
+          </a:p>
+          <a:p>
+            <a:r>
+              <a:rPr lang="en-US" dirty="0"/>
+              <a:t>[1] 4</a:t>
+            </a:r>
+          </a:p>
+          <a:p>
+            <a:r>
+              <a:rPr lang="en-US" dirty="0"/>
+              <a:t>&gt; </a:t>
+            </a:r>
+          </a:p>
+        </p:txBody>
+      </p:sp>
+    </p:spTree>
+    <p:extLst>
+      <p:ext uri="{BB962C8B-B14F-4D97-AF65-F5344CB8AC3E}">
+        <p14:creationId xmlns:p14="http://schemas.microsoft.com/office/powerpoint/2010/main" val="2737013962"/>
+      </p:ext>
+    </p:extLst>
+  </p:cSld>
+  <p:clrMapOvr>
+    <a:masterClrMapping/>
+  </p:clrMapOvr>
+  <p:timing>
+    <p:tnLst>
+      <p:par>
+        <p:cTn id="1" dur="indefinite" restart="never" nodeType="tmRoot"/>
+      </p:par>
+    </p:tnLst>
+  </p:timing>
+</p:sld>
+</file>
+
+<file path=ppt/slides/slide25.xml><?xml version="1.0" encoding="utf-8"?>
+<p:sld xmlns:a="http://schemas.openxmlformats.org/drawingml/2006/main" xmlns:r="http://schemas.openxmlformats.org/officeDocument/2006/relationships" xmlns:p="http://schemas.openxmlformats.org/presentationml/2006/main">
+  <p:cSld>
+    <p:spTree>
+      <p:nvGrpSpPr>
+        <p:cNvPr id="1" name=""/>
+        <p:cNvGrpSpPr/>
+        <p:nvPr/>
+      </p:nvGrpSpPr>
+      <p:grpSpPr>
+        <a:xfrm>
+          <a:off x="0" y="0"/>
+          <a:ext cx="0" cy="0"/>
+          <a:chOff x="0" y="0"/>
+          <a:chExt cx="0" cy="0"/>
+        </a:xfrm>
+      </p:grpSpPr>
+      <p:sp>
+        <p:nvSpPr>
+          <p:cNvPr id="2" name="Title 1"/>
+          <p:cNvSpPr>
+            <a:spLocks noGrp="1"/>
+          </p:cNvSpPr>
+          <p:nvPr>
+            <p:ph type="title"/>
+          </p:nvPr>
+        </p:nvSpPr>
+        <p:spPr/>
+        <p:txBody>
+          <a:bodyPr>
+            <a:normAutofit fontScale="90000"/>
+          </a:bodyPr>
+          <a:lstStyle/>
+          <a:p>
+            <a:r>
+              <a:rPr lang="en-US" dirty="0"/>
+              <a:t>Data Frames</a:t>
+            </a:r>
+            <a:br>
+              <a:rPr lang="en-US" dirty="0"/>
+            </a:br>
+            <a:endParaRPr lang="en-US" dirty="0"/>
+          </a:p>
+        </p:txBody>
+      </p:sp>
+      <p:sp>
+        <p:nvSpPr>
+          <p:cNvPr id="3" name="Content Placeholder 2"/>
+          <p:cNvSpPr>
+            <a:spLocks noGrp="1"/>
+          </p:cNvSpPr>
+          <p:nvPr>
+            <p:ph idx="1"/>
+          </p:nvPr>
+        </p:nvSpPr>
+        <p:spPr/>
+        <p:txBody>
+          <a:bodyPr/>
+          <a:lstStyle/>
+          <a:p>
+            <a:r>
+              <a:rPr lang="en-US" dirty="0"/>
+              <a:t>Data frames are tabular data objects. </a:t>
+            </a:r>
+            <a:endParaRPr lang="en-US" dirty="0" smtClean="0"/>
+          </a:p>
+          <a:p>
+            <a:r>
+              <a:rPr lang="en-US" dirty="0" smtClean="0"/>
+              <a:t>Each column separate data type</a:t>
+            </a:r>
+          </a:p>
+          <a:p>
+            <a:r>
+              <a:rPr lang="en-US" dirty="0">
+                <a:hlinkClick r:id="rId2"/>
+              </a:rPr>
+              <a:t>https://</a:t>
+            </a:r>
+            <a:r>
+              <a:rPr lang="en-US" dirty="0" smtClean="0">
+                <a:hlinkClick r:id="rId2"/>
+              </a:rPr>
+              <a:t>stackoverflow.com/questions/18803354/ending-prompt-in-r</a:t>
+            </a:r>
+            <a:r>
+              <a:rPr lang="en-US" dirty="0" smtClean="0"/>
+              <a:t> ( common problem) – Use Escape</a:t>
+            </a:r>
+          </a:p>
+          <a:p>
+            <a:endParaRPr lang="en-US" dirty="0"/>
+          </a:p>
+        </p:txBody>
+      </p:sp>
+    </p:spTree>
+    <p:extLst>
+      <p:ext uri="{BB962C8B-B14F-4D97-AF65-F5344CB8AC3E}">
+        <p14:creationId xmlns:p14="http://schemas.microsoft.com/office/powerpoint/2010/main" val="3046407731"/>
+      </p:ext>
+    </p:extLst>
+  </p:cSld>
+  <p:clrMapOvr>
+    <a:masterClrMapping/>
+  </p:clrMapOvr>
+  <p:timing>
+    <p:tnLst>
+      <p:par>
+        <p:cTn id="1" dur="indefinite" restart="never" nodeType="tmRoot"/>
+      </p:par>
+    </p:tnLst>
+  </p:timing>
+</p:sld>
+</file>
+
+<file path=ppt/slides/slide26.xml><?xml version="1.0" encoding="utf-8"?>
+<p:sld xmlns:a="http://schemas.openxmlformats.org/drawingml/2006/main" xmlns:r="http://schemas.openxmlformats.org/officeDocument/2006/relationships" xmlns:p="http://schemas.openxmlformats.org/presentationml/2006/main">
+  <p:cSld>
+    <p:spTree>
+      <p:nvGrpSpPr>
+        <p:cNvPr id="1" name=""/>
+        <p:cNvGrpSpPr/>
+        <p:nvPr/>
+      </p:nvGrpSpPr>
+      <p:grpSpPr>
+        <a:xfrm>
+          <a:off x="0" y="0"/>
+          <a:ext cx="0" cy="0"/>
+          <a:chOff x="0" y="0"/>
+          <a:chExt cx="0" cy="0"/>
+        </a:xfrm>
+      </p:grpSpPr>
+      <p:sp>
+        <p:nvSpPr>
+          <p:cNvPr id="2" name="Title 1"/>
+          <p:cNvSpPr>
+            <a:spLocks noGrp="1"/>
+          </p:cNvSpPr>
+          <p:nvPr>
+            <p:ph type="title"/>
+          </p:nvPr>
+        </p:nvSpPr>
+        <p:spPr/>
+        <p:txBody>
+          <a:bodyPr/>
+          <a:lstStyle/>
+          <a:p>
+            <a:r>
+              <a:rPr lang="en-US" dirty="0" err="1" smtClean="0"/>
+              <a:t>Data.frame</a:t>
+            </a:r>
+            <a:endParaRPr lang="en-US" dirty="0"/>
+          </a:p>
+        </p:txBody>
+      </p:sp>
+      <p:sp>
+        <p:nvSpPr>
+          <p:cNvPr id="3" name="Content Placeholder 2"/>
+          <p:cNvSpPr>
+            <a:spLocks noGrp="1"/>
+          </p:cNvSpPr>
+          <p:nvPr>
+            <p:ph idx="1"/>
+          </p:nvPr>
+        </p:nvSpPr>
+        <p:spPr/>
+        <p:txBody>
+          <a:bodyPr/>
+          <a:lstStyle/>
+          <a:p>
+            <a:r>
+              <a:rPr lang="en-US" dirty="0"/>
+              <a:t>&gt; BMI &lt;- </a:t>
+            </a:r>
+            <a:r>
+              <a:rPr lang="en-US" dirty="0" err="1"/>
+              <a:t>data.frame</a:t>
+            </a:r>
+            <a:r>
+              <a:rPr lang="en-US" dirty="0"/>
+              <a:t> (</a:t>
+            </a:r>
+          </a:p>
+          <a:p>
+            <a:r>
+              <a:rPr lang="en-US" dirty="0"/>
+              <a:t>+ gender = c("</a:t>
+            </a:r>
+            <a:r>
+              <a:rPr lang="en-US" dirty="0" err="1"/>
+              <a:t>female","male","male</a:t>
+            </a:r>
+            <a:r>
+              <a:rPr lang="en-US" dirty="0"/>
+              <a:t>"),</a:t>
+            </a:r>
+          </a:p>
+          <a:p>
+            <a:r>
+              <a:rPr lang="en-US" dirty="0"/>
+              <a:t>+ height = c(157,171,162),</a:t>
+            </a:r>
+          </a:p>
+          <a:p>
+            <a:r>
+              <a:rPr lang="en-US" dirty="0"/>
+              <a:t>+ age = c(42,28,26)</a:t>
+            </a:r>
+          </a:p>
+          <a:p>
+            <a:r>
+              <a:rPr lang="en-US" dirty="0"/>
+              <a:t>+ )</a:t>
+            </a:r>
+          </a:p>
+          <a:p>
+            <a:r>
+              <a:rPr lang="en-US" dirty="0"/>
+              <a:t>&gt; </a:t>
+            </a:r>
+            <a:r>
+              <a:rPr lang="en-US" dirty="0" smtClean="0"/>
+              <a:t>BMI</a:t>
+            </a:r>
+          </a:p>
+          <a:p>
+            <a:r>
+              <a:rPr lang="en-US" dirty="0" smtClean="0"/>
+              <a:t>Note use of “+”  and “,”</a:t>
+            </a:r>
+            <a:endParaRPr lang="en-US" dirty="0"/>
+          </a:p>
+          <a:p>
+            <a:endParaRPr lang="en-US" dirty="0"/>
+          </a:p>
+        </p:txBody>
+      </p:sp>
+    </p:spTree>
+    <p:extLst>
+      <p:ext uri="{BB962C8B-B14F-4D97-AF65-F5344CB8AC3E}">
+        <p14:creationId xmlns:p14="http://schemas.microsoft.com/office/powerpoint/2010/main" val="3978860684"/>
+      </p:ext>
+    </p:extLst>
+  </p:cSld>
+  <p:clrMapOvr>
+    <a:masterClrMapping/>
+  </p:clrMapOvr>
+  <p:timing>
+    <p:tnLst>
+      <p:par>
+        <p:cTn id="1" dur="indefinite" restart="never" nodeType="tmRoot"/>
+      </p:par>
+    </p:tnLst>
+  </p:timing>
+</p:sld>
+</file>
+
+<file path=ppt/slides/slide27.xml><?xml version="1.0" encoding="utf-8"?>
+<p:sld xmlns:a="http://schemas.openxmlformats.org/drawingml/2006/main" xmlns:r="http://schemas.openxmlformats.org/officeDocument/2006/relationships" xmlns:p="http://schemas.openxmlformats.org/presentationml/2006/main">
+  <p:cSld>
+    <p:spTree>
+      <p:nvGrpSpPr>
+        <p:cNvPr id="1" name=""/>
+        <p:cNvGrpSpPr/>
+        <p:nvPr/>
+      </p:nvGrpSpPr>
+      <p:grpSpPr>
+        <a:xfrm>
+          <a:off x="0" y="0"/>
+          <a:ext cx="0" cy="0"/>
+          <a:chOff x="0" y="0"/>
+          <a:chExt cx="0" cy="0"/>
+        </a:xfrm>
+      </p:grpSpPr>
+      <p:sp>
+        <p:nvSpPr>
+          <p:cNvPr id="2" name="Title 1"/>
+          <p:cNvSpPr>
+            <a:spLocks noGrp="1"/>
+          </p:cNvSpPr>
+          <p:nvPr>
+            <p:ph type="title"/>
+          </p:nvPr>
+        </p:nvSpPr>
+        <p:spPr/>
+        <p:txBody>
+          <a:bodyPr/>
+          <a:lstStyle/>
+          <a:p>
+            <a:r>
+              <a:rPr lang="en-US" dirty="0" smtClean="0"/>
+              <a:t>Summary</a:t>
+            </a:r>
+            <a:endParaRPr lang="en-US" dirty="0"/>
+          </a:p>
+        </p:txBody>
+      </p:sp>
+      <p:sp>
+        <p:nvSpPr>
+          <p:cNvPr id="3" name="Content Placeholder 2"/>
+          <p:cNvSpPr>
+            <a:spLocks noGrp="1"/>
+          </p:cNvSpPr>
+          <p:nvPr>
+            <p:ph idx="1"/>
+          </p:nvPr>
+        </p:nvSpPr>
+        <p:spPr/>
+        <p:txBody>
+          <a:bodyPr/>
+          <a:lstStyle/>
+          <a:p>
+            <a:r>
+              <a:rPr lang="en-US" dirty="0" smtClean="0"/>
+              <a:t>Vector =  c()</a:t>
+            </a:r>
+          </a:p>
+          <a:p>
+            <a:r>
+              <a:rPr lang="en-US" dirty="0" smtClean="0"/>
+              <a:t>Lists = List()</a:t>
+            </a:r>
+          </a:p>
+          <a:p>
+            <a:r>
+              <a:rPr lang="en-US" dirty="0" smtClean="0"/>
+              <a:t>Matrices = matrix()</a:t>
+            </a:r>
+          </a:p>
+          <a:p>
+            <a:r>
+              <a:rPr lang="en-US" dirty="0" smtClean="0"/>
+              <a:t>Array = array()</a:t>
+            </a:r>
+          </a:p>
+          <a:p>
+            <a:r>
+              <a:rPr lang="en-US" dirty="0" smtClean="0"/>
+              <a:t>Factors = Factor()</a:t>
+            </a:r>
+          </a:p>
+          <a:p>
+            <a:r>
+              <a:rPr lang="en-US" dirty="0" smtClean="0"/>
+              <a:t>Data Frame= </a:t>
+            </a:r>
+            <a:r>
+              <a:rPr lang="en-US" dirty="0" err="1" smtClean="0"/>
+              <a:t>data.frame</a:t>
+            </a:r>
+            <a:r>
+              <a:rPr lang="en-US" dirty="0" smtClean="0"/>
+              <a:t>()</a:t>
+            </a:r>
+          </a:p>
+          <a:p>
+            <a:endParaRPr lang="en-US" dirty="0"/>
+          </a:p>
+        </p:txBody>
+      </p:sp>
+    </p:spTree>
+    <p:extLst>
+      <p:ext uri="{BB962C8B-B14F-4D97-AF65-F5344CB8AC3E}">
+        <p14:creationId xmlns:p14="http://schemas.microsoft.com/office/powerpoint/2010/main" val="1960676958"/>
+      </p:ext>
+    </p:extLst>
+  </p:cSld>
+  <p:clrMapOvr>
+    <a:masterClrMapping/>
+  </p:clrMapOvr>
+  <p:timing>
+    <p:tnLst>
+      <p:par>
+        <p:cTn id="1" dur="indefinite" restart="never" nodeType="tmRoot"/>
+      </p:par>
+    </p:tnLst>
+  </p:timing>
+</p:sld>
+</file>
+
+<file path=ppt/slides/slide3.xml><?xml version="1.0" encoding="utf-8"?>
 <p:sld xmlns:a="http://schemas.openxmlformats.org/drawingml/2006/main" xmlns:r="http://schemas.openxmlformats.org/officeDocument/2006/relationships" xmlns:p="http://schemas.openxmlformats.org/presentationml/2006/main">
   <p:cSld>
     <p:spTree>
@@ -15449,1033 +16544,6 @@
 </p:sld>
 </file>
 
-<file path=ppt/slides/slide20.xml><?xml version="1.0" encoding="utf-8"?>
-<p:sld xmlns:a="http://schemas.openxmlformats.org/drawingml/2006/main" xmlns:r="http://schemas.openxmlformats.org/officeDocument/2006/relationships" xmlns:p="http://schemas.openxmlformats.org/presentationml/2006/main">
-  <p:cSld>
-    <p:spTree>
-      <p:nvGrpSpPr>
-        <p:cNvPr id="1" name=""/>
-        <p:cNvGrpSpPr/>
-        <p:nvPr/>
-      </p:nvGrpSpPr>
-      <p:grpSpPr>
-        <a:xfrm>
-          <a:off x="0" y="0"/>
-          <a:ext cx="0" cy="0"/>
-          <a:chOff x="0" y="0"/>
-          <a:chExt cx="0" cy="0"/>
-        </a:xfrm>
-      </p:grpSpPr>
-      <p:sp>
-        <p:nvSpPr>
-          <p:cNvPr id="2" name="Title 1"/>
-          <p:cNvSpPr>
-            <a:spLocks noGrp="1"/>
-          </p:cNvSpPr>
-          <p:nvPr>
-            <p:ph type="title"/>
-          </p:nvPr>
-        </p:nvSpPr>
-        <p:spPr/>
-        <p:txBody>
-          <a:bodyPr/>
-          <a:lstStyle/>
-          <a:p>
-            <a:r>
-              <a:rPr lang="en-US" dirty="0" smtClean="0"/>
-              <a:t>Array with dim</a:t>
-            </a:r>
-            <a:endParaRPr lang="en-US" dirty="0"/>
-          </a:p>
-        </p:txBody>
-      </p:sp>
-      <p:sp>
-        <p:nvSpPr>
-          <p:cNvPr id="3" name="Content Placeholder 2"/>
-          <p:cNvSpPr>
-            <a:spLocks noGrp="1"/>
-          </p:cNvSpPr>
-          <p:nvPr>
-            <p:ph idx="1"/>
-          </p:nvPr>
-        </p:nvSpPr>
-        <p:spPr/>
-        <p:txBody>
-          <a:bodyPr/>
-          <a:lstStyle/>
-          <a:p>
-            <a:r>
-              <a:rPr lang="pt-BR" dirty="0"/>
-              <a:t>&gt; ar &lt;- array(c("Green","blue"),dim=c(2,3))</a:t>
-            </a:r>
-          </a:p>
-          <a:p>
-            <a:r>
-              <a:rPr lang="pt-BR" dirty="0"/>
-              <a:t>&gt; ar</a:t>
-            </a:r>
-          </a:p>
-          <a:p>
-            <a:endParaRPr lang="en-US" dirty="0"/>
-          </a:p>
-        </p:txBody>
-      </p:sp>
-    </p:spTree>
-    <p:extLst>
-      <p:ext uri="{BB962C8B-B14F-4D97-AF65-F5344CB8AC3E}">
-        <p14:creationId xmlns:p14="http://schemas.microsoft.com/office/powerpoint/2010/main" val="1546192328"/>
-      </p:ext>
-    </p:extLst>
-  </p:cSld>
-  <p:clrMapOvr>
-    <a:masterClrMapping/>
-  </p:clrMapOvr>
-  <p:timing>
-    <p:tnLst>
-      <p:par>
-        <p:cTn id="1" dur="indefinite" restart="never" nodeType="tmRoot"/>
-      </p:par>
-    </p:tnLst>
-  </p:timing>
-</p:sld>
-</file>
-
-<file path=ppt/slides/slide21.xml><?xml version="1.0" encoding="utf-8"?>
-<p:sld xmlns:a="http://schemas.openxmlformats.org/drawingml/2006/main" xmlns:r="http://schemas.openxmlformats.org/officeDocument/2006/relationships" xmlns:p="http://schemas.openxmlformats.org/presentationml/2006/main">
-  <p:cSld>
-    <p:spTree>
-      <p:nvGrpSpPr>
-        <p:cNvPr id="1" name=""/>
-        <p:cNvGrpSpPr/>
-        <p:nvPr/>
-      </p:nvGrpSpPr>
-      <p:grpSpPr>
-        <a:xfrm>
-          <a:off x="0" y="0"/>
-          <a:ext cx="0" cy="0"/>
-          <a:chOff x="0" y="0"/>
-          <a:chExt cx="0" cy="0"/>
-        </a:xfrm>
-      </p:grpSpPr>
-      <p:sp>
-        <p:nvSpPr>
-          <p:cNvPr id="2" name="Title 1"/>
-          <p:cNvSpPr>
-            <a:spLocks noGrp="1"/>
-          </p:cNvSpPr>
-          <p:nvPr>
-            <p:ph type="title"/>
-          </p:nvPr>
-        </p:nvSpPr>
-        <p:spPr/>
-        <p:txBody>
-          <a:bodyPr/>
-          <a:lstStyle/>
-          <a:p>
-            <a:r>
-              <a:rPr lang="en-US" dirty="0" smtClean="0"/>
-              <a:t>Factors</a:t>
-            </a:r>
-            <a:endParaRPr lang="en-US" dirty="0"/>
-          </a:p>
-        </p:txBody>
-      </p:sp>
-      <p:sp>
-        <p:nvSpPr>
-          <p:cNvPr id="3" name="Content Placeholder 2"/>
-          <p:cNvSpPr>
-            <a:spLocks noGrp="1"/>
-          </p:cNvSpPr>
-          <p:nvPr>
-            <p:ph idx="1"/>
-          </p:nvPr>
-        </p:nvSpPr>
-        <p:spPr/>
-        <p:txBody>
-          <a:bodyPr>
-            <a:normAutofit fontScale="92500"/>
-          </a:bodyPr>
-          <a:lstStyle/>
-          <a:p>
-            <a:r>
-              <a:rPr lang="en-US" dirty="0"/>
-              <a:t>Factors are </a:t>
-            </a:r>
-            <a:r>
-              <a:rPr lang="en-US" b="1" i="1" dirty="0"/>
-              <a:t>the r-objects </a:t>
-            </a:r>
-            <a:r>
-              <a:rPr lang="en-US" dirty="0"/>
-              <a:t>which are created </a:t>
-            </a:r>
-            <a:r>
-              <a:rPr lang="en-US" b="1" i="1" dirty="0"/>
-              <a:t>using a vector</a:t>
-            </a:r>
-            <a:r>
-              <a:rPr lang="en-US" dirty="0" smtClean="0"/>
-              <a:t>.</a:t>
-            </a:r>
-          </a:p>
-          <a:p>
-            <a:r>
-              <a:rPr lang="en-US" dirty="0" smtClean="0"/>
-              <a:t> </a:t>
-            </a:r>
-            <a:r>
-              <a:rPr lang="en-US" dirty="0"/>
-              <a:t>It stores the vector along with the distinct values of the elements in the </a:t>
-            </a:r>
-            <a:r>
-              <a:rPr lang="en-US" b="1" dirty="0"/>
-              <a:t>vector as labels</a:t>
-            </a:r>
-            <a:r>
-              <a:rPr lang="en-US" dirty="0" smtClean="0"/>
-              <a:t>.</a:t>
-            </a:r>
-          </a:p>
-          <a:p>
-            <a:r>
-              <a:rPr lang="en-US" dirty="0" smtClean="0"/>
-              <a:t> </a:t>
-            </a:r>
-            <a:r>
-              <a:rPr lang="en-US" dirty="0"/>
-              <a:t>The labels are </a:t>
-            </a:r>
-            <a:r>
-              <a:rPr lang="en-US" b="1" i="1" dirty="0"/>
-              <a:t>always character </a:t>
-            </a:r>
-            <a:r>
-              <a:rPr lang="en-US" dirty="0"/>
-              <a:t>irrespective of whether it is numeric or character or Boolean etc. in the input vector. They are useful in </a:t>
-            </a:r>
-            <a:r>
-              <a:rPr lang="en-US" b="1" dirty="0">
-                <a:solidFill>
-                  <a:schemeClr val="tx1"/>
-                </a:solidFill>
-              </a:rPr>
-              <a:t>statistical modeling.</a:t>
-            </a:r>
-          </a:p>
-        </p:txBody>
-      </p:sp>
-    </p:spTree>
-    <p:extLst>
-      <p:ext uri="{BB962C8B-B14F-4D97-AF65-F5344CB8AC3E}">
-        <p14:creationId xmlns:p14="http://schemas.microsoft.com/office/powerpoint/2010/main" val="4012838436"/>
-      </p:ext>
-    </p:extLst>
-  </p:cSld>
-  <p:clrMapOvr>
-    <a:masterClrMapping/>
-  </p:clrMapOvr>
-  <p:timing>
-    <p:tnLst>
-      <p:par>
-        <p:cTn id="1" dur="indefinite" restart="never" nodeType="tmRoot"/>
-      </p:par>
-    </p:tnLst>
-  </p:timing>
-</p:sld>
-</file>
-
-<file path=ppt/slides/slide22.xml><?xml version="1.0" encoding="utf-8"?>
-<p:sld xmlns:a="http://schemas.openxmlformats.org/drawingml/2006/main" xmlns:r="http://schemas.openxmlformats.org/officeDocument/2006/relationships" xmlns:p="http://schemas.openxmlformats.org/presentationml/2006/main">
-  <p:cSld>
-    <p:spTree>
-      <p:nvGrpSpPr>
-        <p:cNvPr id="1" name=""/>
-        <p:cNvGrpSpPr/>
-        <p:nvPr/>
-      </p:nvGrpSpPr>
-      <p:grpSpPr>
-        <a:xfrm>
-          <a:off x="0" y="0"/>
-          <a:ext cx="0" cy="0"/>
-          <a:chOff x="0" y="0"/>
-          <a:chExt cx="0" cy="0"/>
-        </a:xfrm>
-      </p:grpSpPr>
-      <p:sp>
-        <p:nvSpPr>
-          <p:cNvPr id="2" name="Title 1"/>
-          <p:cNvSpPr>
-            <a:spLocks noGrp="1"/>
-          </p:cNvSpPr>
-          <p:nvPr>
-            <p:ph type="title"/>
-          </p:nvPr>
-        </p:nvSpPr>
-        <p:spPr/>
-        <p:txBody>
-          <a:bodyPr/>
-          <a:lstStyle/>
-          <a:p>
-            <a:r>
-              <a:rPr lang="en-US" dirty="0" smtClean="0"/>
-              <a:t>Factors</a:t>
-            </a:r>
-            <a:endParaRPr lang="en-US" dirty="0"/>
-          </a:p>
-        </p:txBody>
-      </p:sp>
-      <p:sp>
-        <p:nvSpPr>
-          <p:cNvPr id="3" name="Content Placeholder 2"/>
-          <p:cNvSpPr>
-            <a:spLocks noGrp="1"/>
-          </p:cNvSpPr>
-          <p:nvPr>
-            <p:ph idx="1"/>
-          </p:nvPr>
-        </p:nvSpPr>
-        <p:spPr/>
-        <p:txBody>
-          <a:bodyPr/>
-          <a:lstStyle/>
-          <a:p>
-            <a:r>
-              <a:rPr lang="en-US" dirty="0"/>
-              <a:t>&gt; </a:t>
-            </a:r>
-            <a:r>
-              <a:rPr lang="en-US" dirty="0" err="1"/>
-              <a:t>states_in_india</a:t>
-            </a:r>
-            <a:r>
-              <a:rPr lang="en-US" dirty="0"/>
-              <a:t> = array(c("TN","AP","TS","KT","TS","AP"))</a:t>
-            </a:r>
-          </a:p>
-          <a:p>
-            <a:r>
-              <a:rPr lang="en-US" dirty="0"/>
-              <a:t>&gt; </a:t>
-            </a:r>
-            <a:r>
-              <a:rPr lang="en-US" dirty="0" err="1"/>
-              <a:t>fa_india</a:t>
-            </a:r>
-            <a:r>
-              <a:rPr lang="en-US" dirty="0"/>
-              <a:t> = </a:t>
-            </a:r>
-            <a:r>
-              <a:rPr lang="en-US" b="1" dirty="0">
-                <a:solidFill>
-                  <a:schemeClr val="tx1"/>
-                </a:solidFill>
-              </a:rPr>
-              <a:t>factor</a:t>
-            </a:r>
-            <a:r>
-              <a:rPr lang="en-US" dirty="0"/>
-              <a:t>(</a:t>
-            </a:r>
-            <a:r>
-              <a:rPr lang="en-US" dirty="0" err="1"/>
-              <a:t>states_in_india</a:t>
-            </a:r>
-            <a:r>
-              <a:rPr lang="en-US" dirty="0"/>
-              <a:t>)</a:t>
-            </a:r>
-          </a:p>
-          <a:p>
-            <a:r>
-              <a:rPr lang="en-US" dirty="0"/>
-              <a:t>&gt; </a:t>
-            </a:r>
-            <a:r>
-              <a:rPr lang="en-US" dirty="0" err="1"/>
-              <a:t>fa_india</a:t>
-            </a:r>
-            <a:endParaRPr lang="en-US" dirty="0"/>
-          </a:p>
-          <a:p>
-            <a:r>
-              <a:rPr lang="en-US" dirty="0"/>
-              <a:t>[1] TN AP TS KT TS AP</a:t>
-            </a:r>
-          </a:p>
-          <a:p>
-            <a:r>
-              <a:rPr lang="en-US" b="1" dirty="0"/>
-              <a:t>Levels</a:t>
-            </a:r>
-            <a:r>
-              <a:rPr lang="en-US" dirty="0"/>
-              <a:t>: AP KT TN TS</a:t>
-            </a:r>
-          </a:p>
-          <a:p>
-            <a:r>
-              <a:rPr lang="en-US" dirty="0"/>
-              <a:t>&gt; </a:t>
-            </a:r>
-          </a:p>
-        </p:txBody>
-      </p:sp>
-    </p:spTree>
-    <p:extLst>
-      <p:ext uri="{BB962C8B-B14F-4D97-AF65-F5344CB8AC3E}">
-        <p14:creationId xmlns:p14="http://schemas.microsoft.com/office/powerpoint/2010/main" val="2494793415"/>
-      </p:ext>
-    </p:extLst>
-  </p:cSld>
-  <p:clrMapOvr>
-    <a:masterClrMapping/>
-  </p:clrMapOvr>
-  <p:timing>
-    <p:tnLst>
-      <p:par>
-        <p:cTn id="1" dur="indefinite" restart="never" nodeType="tmRoot"/>
-      </p:par>
-    </p:tnLst>
-  </p:timing>
-</p:sld>
-</file>
-
-<file path=ppt/slides/slide23.xml><?xml version="1.0" encoding="utf-8"?>
-<p:sld xmlns:a="http://schemas.openxmlformats.org/drawingml/2006/main" xmlns:r="http://schemas.openxmlformats.org/officeDocument/2006/relationships" xmlns:p="http://schemas.openxmlformats.org/presentationml/2006/main">
-  <p:cSld>
-    <p:spTree>
-      <p:nvGrpSpPr>
-        <p:cNvPr id="1" name=""/>
-        <p:cNvGrpSpPr/>
-        <p:nvPr/>
-      </p:nvGrpSpPr>
-      <p:grpSpPr>
-        <a:xfrm>
-          <a:off x="0" y="0"/>
-          <a:ext cx="0" cy="0"/>
-          <a:chOff x="0" y="0"/>
-          <a:chExt cx="0" cy="0"/>
-        </a:xfrm>
-      </p:grpSpPr>
-      <p:sp>
-        <p:nvSpPr>
-          <p:cNvPr id="2" name="Title 1"/>
-          <p:cNvSpPr>
-            <a:spLocks noGrp="1"/>
-          </p:cNvSpPr>
-          <p:nvPr>
-            <p:ph type="title"/>
-          </p:nvPr>
-        </p:nvSpPr>
-        <p:spPr/>
-        <p:txBody>
-          <a:bodyPr/>
-          <a:lstStyle/>
-          <a:p>
-            <a:r>
-              <a:rPr lang="en-US" dirty="0" smtClean="0"/>
-              <a:t>Factor</a:t>
-            </a:r>
-            <a:endParaRPr lang="en-US" dirty="0"/>
-          </a:p>
-        </p:txBody>
-      </p:sp>
-      <p:sp>
-        <p:nvSpPr>
-          <p:cNvPr id="3" name="Content Placeholder 2"/>
-          <p:cNvSpPr>
-            <a:spLocks noGrp="1"/>
-          </p:cNvSpPr>
-          <p:nvPr>
-            <p:ph idx="1"/>
-          </p:nvPr>
-        </p:nvSpPr>
-        <p:spPr/>
-        <p:txBody>
-          <a:bodyPr/>
-          <a:lstStyle/>
-          <a:p>
-            <a:r>
-              <a:rPr lang="en-US" dirty="0"/>
-              <a:t>&gt; </a:t>
-            </a:r>
-            <a:r>
-              <a:rPr lang="en-US" dirty="0" err="1"/>
-              <a:t>nlevels</a:t>
-            </a:r>
-            <a:r>
-              <a:rPr lang="en-US" dirty="0"/>
-              <a:t>(</a:t>
-            </a:r>
-            <a:r>
-              <a:rPr lang="en-US" dirty="0" err="1"/>
-              <a:t>states_in_india</a:t>
-            </a:r>
-            <a:r>
-              <a:rPr lang="en-US" dirty="0"/>
-              <a:t>)</a:t>
-            </a:r>
-          </a:p>
-          <a:p>
-            <a:r>
-              <a:rPr lang="en-US" dirty="0"/>
-              <a:t>[1] 0</a:t>
-            </a:r>
-          </a:p>
-          <a:p>
-            <a:r>
-              <a:rPr lang="en-US" dirty="0"/>
-              <a:t>&gt; </a:t>
-            </a:r>
-            <a:r>
-              <a:rPr lang="en-US" dirty="0" err="1"/>
-              <a:t>nlevels</a:t>
-            </a:r>
-            <a:r>
-              <a:rPr lang="en-US" dirty="0"/>
-              <a:t>(</a:t>
-            </a:r>
-            <a:r>
-              <a:rPr lang="en-US" dirty="0" err="1"/>
-              <a:t>fa_india</a:t>
-            </a:r>
-            <a:r>
-              <a:rPr lang="en-US" dirty="0"/>
-              <a:t>)</a:t>
-            </a:r>
-          </a:p>
-          <a:p>
-            <a:r>
-              <a:rPr lang="en-US" dirty="0"/>
-              <a:t>[1] 4</a:t>
-            </a:r>
-          </a:p>
-          <a:p>
-            <a:r>
-              <a:rPr lang="en-US" dirty="0"/>
-              <a:t>&gt; </a:t>
-            </a:r>
-          </a:p>
-        </p:txBody>
-      </p:sp>
-    </p:spTree>
-    <p:extLst>
-      <p:ext uri="{BB962C8B-B14F-4D97-AF65-F5344CB8AC3E}">
-        <p14:creationId xmlns:p14="http://schemas.microsoft.com/office/powerpoint/2010/main" val="2737013962"/>
-      </p:ext>
-    </p:extLst>
-  </p:cSld>
-  <p:clrMapOvr>
-    <a:masterClrMapping/>
-  </p:clrMapOvr>
-  <p:timing>
-    <p:tnLst>
-      <p:par>
-        <p:cTn id="1" dur="indefinite" restart="never" nodeType="tmRoot"/>
-      </p:par>
-    </p:tnLst>
-  </p:timing>
-</p:sld>
-</file>
-
-<file path=ppt/slides/slide24.xml><?xml version="1.0" encoding="utf-8"?>
-<p:sld xmlns:a="http://schemas.openxmlformats.org/drawingml/2006/main" xmlns:r="http://schemas.openxmlformats.org/officeDocument/2006/relationships" xmlns:p="http://schemas.openxmlformats.org/presentationml/2006/main">
-  <p:cSld>
-    <p:spTree>
-      <p:nvGrpSpPr>
-        <p:cNvPr id="1" name=""/>
-        <p:cNvGrpSpPr/>
-        <p:nvPr/>
-      </p:nvGrpSpPr>
-      <p:grpSpPr>
-        <a:xfrm>
-          <a:off x="0" y="0"/>
-          <a:ext cx="0" cy="0"/>
-          <a:chOff x="0" y="0"/>
-          <a:chExt cx="0" cy="0"/>
-        </a:xfrm>
-      </p:grpSpPr>
-      <p:sp>
-        <p:nvSpPr>
-          <p:cNvPr id="2" name="Title 1"/>
-          <p:cNvSpPr>
-            <a:spLocks noGrp="1"/>
-          </p:cNvSpPr>
-          <p:nvPr>
-            <p:ph type="title"/>
-          </p:nvPr>
-        </p:nvSpPr>
-        <p:spPr/>
-        <p:txBody>
-          <a:bodyPr>
-            <a:normAutofit fontScale="90000"/>
-          </a:bodyPr>
-          <a:lstStyle/>
-          <a:p>
-            <a:r>
-              <a:rPr lang="en-US" dirty="0"/>
-              <a:t>Data Frames</a:t>
-            </a:r>
-            <a:br>
-              <a:rPr lang="en-US" dirty="0"/>
-            </a:br>
-            <a:endParaRPr lang="en-US" dirty="0"/>
-          </a:p>
-        </p:txBody>
-      </p:sp>
-      <p:sp>
-        <p:nvSpPr>
-          <p:cNvPr id="3" name="Content Placeholder 2"/>
-          <p:cNvSpPr>
-            <a:spLocks noGrp="1"/>
-          </p:cNvSpPr>
-          <p:nvPr>
-            <p:ph idx="1"/>
-          </p:nvPr>
-        </p:nvSpPr>
-        <p:spPr/>
-        <p:txBody>
-          <a:bodyPr/>
-          <a:lstStyle/>
-          <a:p>
-            <a:r>
-              <a:rPr lang="en-US" dirty="0"/>
-              <a:t>Data frames are tabular data objects. </a:t>
-            </a:r>
-            <a:endParaRPr lang="en-US" dirty="0" smtClean="0"/>
-          </a:p>
-          <a:p>
-            <a:r>
-              <a:rPr lang="en-US" dirty="0" smtClean="0"/>
-              <a:t>Each column separate data type</a:t>
-            </a:r>
-          </a:p>
-          <a:p>
-            <a:r>
-              <a:rPr lang="en-US" dirty="0">
-                <a:hlinkClick r:id="rId2"/>
-              </a:rPr>
-              <a:t>https://</a:t>
-            </a:r>
-            <a:r>
-              <a:rPr lang="en-US" dirty="0" smtClean="0">
-                <a:hlinkClick r:id="rId2"/>
-              </a:rPr>
-              <a:t>stackoverflow.com/questions/18803354/ending-prompt-in-r</a:t>
-            </a:r>
-            <a:r>
-              <a:rPr lang="en-US" dirty="0" smtClean="0"/>
-              <a:t> ( common problem) – Use Escape</a:t>
-            </a:r>
-          </a:p>
-          <a:p>
-            <a:endParaRPr lang="en-US" dirty="0"/>
-          </a:p>
-        </p:txBody>
-      </p:sp>
-    </p:spTree>
-    <p:extLst>
-      <p:ext uri="{BB962C8B-B14F-4D97-AF65-F5344CB8AC3E}">
-        <p14:creationId xmlns:p14="http://schemas.microsoft.com/office/powerpoint/2010/main" val="3046407731"/>
-      </p:ext>
-    </p:extLst>
-  </p:cSld>
-  <p:clrMapOvr>
-    <a:masterClrMapping/>
-  </p:clrMapOvr>
-  <p:timing>
-    <p:tnLst>
-      <p:par>
-        <p:cTn id="1" dur="indefinite" restart="never" nodeType="tmRoot"/>
-      </p:par>
-    </p:tnLst>
-  </p:timing>
-</p:sld>
-</file>
-
-<file path=ppt/slides/slide25.xml><?xml version="1.0" encoding="utf-8"?>
-<p:sld xmlns:a="http://schemas.openxmlformats.org/drawingml/2006/main" xmlns:r="http://schemas.openxmlformats.org/officeDocument/2006/relationships" xmlns:p="http://schemas.openxmlformats.org/presentationml/2006/main">
-  <p:cSld>
-    <p:spTree>
-      <p:nvGrpSpPr>
-        <p:cNvPr id="1" name=""/>
-        <p:cNvGrpSpPr/>
-        <p:nvPr/>
-      </p:nvGrpSpPr>
-      <p:grpSpPr>
-        <a:xfrm>
-          <a:off x="0" y="0"/>
-          <a:ext cx="0" cy="0"/>
-          <a:chOff x="0" y="0"/>
-          <a:chExt cx="0" cy="0"/>
-        </a:xfrm>
-      </p:grpSpPr>
-      <p:sp>
-        <p:nvSpPr>
-          <p:cNvPr id="2" name="Title 1"/>
-          <p:cNvSpPr>
-            <a:spLocks noGrp="1"/>
-          </p:cNvSpPr>
-          <p:nvPr>
-            <p:ph type="title"/>
-          </p:nvPr>
-        </p:nvSpPr>
-        <p:spPr/>
-        <p:txBody>
-          <a:bodyPr/>
-          <a:lstStyle/>
-          <a:p>
-            <a:r>
-              <a:rPr lang="en-US" dirty="0" err="1" smtClean="0"/>
-              <a:t>Data.frame</a:t>
-            </a:r>
-            <a:endParaRPr lang="en-US" dirty="0"/>
-          </a:p>
-        </p:txBody>
-      </p:sp>
-      <p:sp>
-        <p:nvSpPr>
-          <p:cNvPr id="3" name="Content Placeholder 2"/>
-          <p:cNvSpPr>
-            <a:spLocks noGrp="1"/>
-          </p:cNvSpPr>
-          <p:nvPr>
-            <p:ph idx="1"/>
-          </p:nvPr>
-        </p:nvSpPr>
-        <p:spPr/>
-        <p:txBody>
-          <a:bodyPr/>
-          <a:lstStyle/>
-          <a:p>
-            <a:r>
-              <a:rPr lang="en-US" dirty="0"/>
-              <a:t>&gt; BMI &lt;- </a:t>
-            </a:r>
-            <a:r>
-              <a:rPr lang="en-US" dirty="0" err="1"/>
-              <a:t>data.frame</a:t>
-            </a:r>
-            <a:r>
-              <a:rPr lang="en-US" dirty="0"/>
-              <a:t> (</a:t>
-            </a:r>
-          </a:p>
-          <a:p>
-            <a:r>
-              <a:rPr lang="en-US" dirty="0"/>
-              <a:t>+ gender = c("</a:t>
-            </a:r>
-            <a:r>
-              <a:rPr lang="en-US" dirty="0" err="1"/>
-              <a:t>female","male","male</a:t>
-            </a:r>
-            <a:r>
-              <a:rPr lang="en-US" dirty="0"/>
-              <a:t>"),</a:t>
-            </a:r>
-          </a:p>
-          <a:p>
-            <a:r>
-              <a:rPr lang="en-US" dirty="0"/>
-              <a:t>+ height = c(157,171,162),</a:t>
-            </a:r>
-          </a:p>
-          <a:p>
-            <a:r>
-              <a:rPr lang="en-US" dirty="0"/>
-              <a:t>+ age = c(42,28,26)</a:t>
-            </a:r>
-          </a:p>
-          <a:p>
-            <a:r>
-              <a:rPr lang="en-US" dirty="0"/>
-              <a:t>+ )</a:t>
-            </a:r>
-          </a:p>
-          <a:p>
-            <a:r>
-              <a:rPr lang="en-US" dirty="0"/>
-              <a:t>&gt; </a:t>
-            </a:r>
-            <a:r>
-              <a:rPr lang="en-US" dirty="0" smtClean="0"/>
-              <a:t>BMI</a:t>
-            </a:r>
-          </a:p>
-          <a:p>
-            <a:r>
-              <a:rPr lang="en-US" dirty="0" smtClean="0"/>
-              <a:t>Note use of “+”  and “,”</a:t>
-            </a:r>
-            <a:endParaRPr lang="en-US" dirty="0"/>
-          </a:p>
-          <a:p>
-            <a:endParaRPr lang="en-US" dirty="0"/>
-          </a:p>
-        </p:txBody>
-      </p:sp>
-    </p:spTree>
-    <p:extLst>
-      <p:ext uri="{BB962C8B-B14F-4D97-AF65-F5344CB8AC3E}">
-        <p14:creationId xmlns:p14="http://schemas.microsoft.com/office/powerpoint/2010/main" val="3978860684"/>
-      </p:ext>
-    </p:extLst>
-  </p:cSld>
-  <p:clrMapOvr>
-    <a:masterClrMapping/>
-  </p:clrMapOvr>
-  <p:timing>
-    <p:tnLst>
-      <p:par>
-        <p:cTn id="1" dur="indefinite" restart="never" nodeType="tmRoot"/>
-      </p:par>
-    </p:tnLst>
-  </p:timing>
-</p:sld>
-</file>
-
-<file path=ppt/slides/slide26.xml><?xml version="1.0" encoding="utf-8"?>
-<p:sld xmlns:a="http://schemas.openxmlformats.org/drawingml/2006/main" xmlns:r="http://schemas.openxmlformats.org/officeDocument/2006/relationships" xmlns:p="http://schemas.openxmlformats.org/presentationml/2006/main">
-  <p:cSld>
-    <p:spTree>
-      <p:nvGrpSpPr>
-        <p:cNvPr id="1" name=""/>
-        <p:cNvGrpSpPr/>
-        <p:nvPr/>
-      </p:nvGrpSpPr>
-      <p:grpSpPr>
-        <a:xfrm>
-          <a:off x="0" y="0"/>
-          <a:ext cx="0" cy="0"/>
-          <a:chOff x="0" y="0"/>
-          <a:chExt cx="0" cy="0"/>
-        </a:xfrm>
-      </p:grpSpPr>
-      <p:sp>
-        <p:nvSpPr>
-          <p:cNvPr id="2" name="Title 1"/>
-          <p:cNvSpPr>
-            <a:spLocks noGrp="1"/>
-          </p:cNvSpPr>
-          <p:nvPr>
-            <p:ph type="title"/>
-          </p:nvPr>
-        </p:nvSpPr>
-        <p:spPr/>
-        <p:txBody>
-          <a:bodyPr/>
-          <a:lstStyle/>
-          <a:p>
-            <a:r>
-              <a:rPr lang="en-US" dirty="0" smtClean="0"/>
-              <a:t>Summary</a:t>
-            </a:r>
-            <a:endParaRPr lang="en-US" dirty="0"/>
-          </a:p>
-        </p:txBody>
-      </p:sp>
-      <p:sp>
-        <p:nvSpPr>
-          <p:cNvPr id="3" name="Content Placeholder 2"/>
-          <p:cNvSpPr>
-            <a:spLocks noGrp="1"/>
-          </p:cNvSpPr>
-          <p:nvPr>
-            <p:ph idx="1"/>
-          </p:nvPr>
-        </p:nvSpPr>
-        <p:spPr/>
-        <p:txBody>
-          <a:bodyPr/>
-          <a:lstStyle/>
-          <a:p>
-            <a:r>
-              <a:rPr lang="en-US" dirty="0" smtClean="0"/>
-              <a:t>Vector =  c()</a:t>
-            </a:r>
-          </a:p>
-          <a:p>
-            <a:r>
-              <a:rPr lang="en-US" dirty="0" smtClean="0"/>
-              <a:t>Lists = List()</a:t>
-            </a:r>
-          </a:p>
-          <a:p>
-            <a:r>
-              <a:rPr lang="en-US" dirty="0" smtClean="0"/>
-              <a:t>Matrices = matrix()</a:t>
-            </a:r>
-          </a:p>
-          <a:p>
-            <a:r>
-              <a:rPr lang="en-US" dirty="0" smtClean="0"/>
-              <a:t>Array = array()</a:t>
-            </a:r>
-          </a:p>
-          <a:p>
-            <a:r>
-              <a:rPr lang="en-US" dirty="0" smtClean="0"/>
-              <a:t>Factors = Factor()</a:t>
-            </a:r>
-          </a:p>
-          <a:p>
-            <a:r>
-              <a:rPr lang="en-US" dirty="0" smtClean="0"/>
-              <a:t>Data Frame= </a:t>
-            </a:r>
-            <a:r>
-              <a:rPr lang="en-US" dirty="0" err="1" smtClean="0"/>
-              <a:t>data.frame</a:t>
-            </a:r>
-            <a:r>
-              <a:rPr lang="en-US" dirty="0" smtClean="0"/>
-              <a:t>()</a:t>
-            </a:r>
-          </a:p>
-          <a:p>
-            <a:endParaRPr lang="en-US" dirty="0"/>
-          </a:p>
-        </p:txBody>
-      </p:sp>
-    </p:spTree>
-    <p:extLst>
-      <p:ext uri="{BB962C8B-B14F-4D97-AF65-F5344CB8AC3E}">
-        <p14:creationId xmlns:p14="http://schemas.microsoft.com/office/powerpoint/2010/main" val="1960676958"/>
-      </p:ext>
-    </p:extLst>
-  </p:cSld>
-  <p:clrMapOvr>
-    <a:masterClrMapping/>
-  </p:clrMapOvr>
-  <p:timing>
-    <p:tnLst>
-      <p:par>
-        <p:cTn id="1" dur="indefinite" restart="never" nodeType="tmRoot"/>
-      </p:par>
-    </p:tnLst>
-  </p:timing>
-</p:sld>
-</file>
-
-<file path=ppt/slides/slide3.xml><?xml version="1.0" encoding="utf-8"?>
-<p:sld xmlns:a="http://schemas.openxmlformats.org/drawingml/2006/main" xmlns:r="http://schemas.openxmlformats.org/officeDocument/2006/relationships" xmlns:p="http://schemas.openxmlformats.org/presentationml/2006/main">
-  <p:cSld>
-    <p:spTree>
-      <p:nvGrpSpPr>
-        <p:cNvPr id="1" name=""/>
-        <p:cNvGrpSpPr/>
-        <p:nvPr/>
-      </p:nvGrpSpPr>
-      <p:grpSpPr>
-        <a:xfrm>
-          <a:off x="0" y="0"/>
-          <a:ext cx="0" cy="0"/>
-          <a:chOff x="0" y="0"/>
-          <a:chExt cx="0" cy="0"/>
-        </a:xfrm>
-      </p:grpSpPr>
-      <p:sp>
-        <p:nvSpPr>
-          <p:cNvPr id="2" name="Title 1"/>
-          <p:cNvSpPr>
-            <a:spLocks noGrp="1"/>
-          </p:cNvSpPr>
-          <p:nvPr>
-            <p:ph type="title"/>
-          </p:nvPr>
-        </p:nvSpPr>
-        <p:spPr/>
-        <p:txBody>
-          <a:bodyPr/>
-          <a:lstStyle/>
-          <a:p>
-            <a:r>
-              <a:rPr lang="en-US" dirty="0" smtClean="0"/>
-              <a:t>Variables</a:t>
-            </a:r>
-            <a:endParaRPr lang="en-US" dirty="0"/>
-          </a:p>
-        </p:txBody>
-      </p:sp>
-      <p:sp>
-        <p:nvSpPr>
-          <p:cNvPr id="3" name="Content Placeholder 2"/>
-          <p:cNvSpPr>
-            <a:spLocks noGrp="1"/>
-          </p:cNvSpPr>
-          <p:nvPr>
-            <p:ph idx="1"/>
-          </p:nvPr>
-        </p:nvSpPr>
-        <p:spPr/>
-        <p:txBody>
-          <a:bodyPr>
-            <a:normAutofit lnSpcReduction="10000"/>
-          </a:bodyPr>
-          <a:lstStyle/>
-          <a:p>
-            <a:r>
-              <a:rPr lang="en-US" dirty="0" smtClean="0"/>
-              <a:t>Do not confuse with Stats – variable</a:t>
-            </a:r>
-          </a:p>
-          <a:p>
-            <a:r>
-              <a:rPr lang="en-US" dirty="0"/>
-              <a:t>A variable provides us with named storage that our programs can manipulate. </a:t>
-            </a:r>
-            <a:endParaRPr lang="en-US" dirty="0" smtClean="0"/>
-          </a:p>
-          <a:p>
-            <a:r>
-              <a:rPr lang="en-US" dirty="0"/>
-              <a:t> valid variable name consists of letters, numbers and the </a:t>
-            </a:r>
-            <a:r>
-              <a:rPr lang="en-US" b="1" dirty="0">
-                <a:solidFill>
-                  <a:srgbClr val="FF0000"/>
-                </a:solidFill>
-              </a:rPr>
-              <a:t>dot or underline </a:t>
-            </a:r>
-            <a:r>
-              <a:rPr lang="en-US" dirty="0"/>
-              <a:t>characters. The variable name starts with a letter or the dot </a:t>
-            </a:r>
-            <a:r>
-              <a:rPr lang="en-US" dirty="0">
-                <a:solidFill>
-                  <a:srgbClr val="FF0000"/>
-                </a:solidFill>
-              </a:rPr>
-              <a:t>not followed by a number.</a:t>
-            </a:r>
-          </a:p>
-        </p:txBody>
-      </p:sp>
-    </p:spTree>
-    <p:extLst>
-      <p:ext uri="{BB962C8B-B14F-4D97-AF65-F5344CB8AC3E}">
-        <p14:creationId xmlns:p14="http://schemas.microsoft.com/office/powerpoint/2010/main" val="3205949672"/>
-      </p:ext>
-    </p:extLst>
-  </p:cSld>
-  <p:clrMapOvr>
-    <a:masterClrMapping/>
-  </p:clrMapOvr>
-  <p:timing>
-    <p:tnLst>
-      <p:par>
-        <p:cTn id="1" dur="indefinite" restart="never" nodeType="tmRoot"/>
-      </p:par>
-    </p:tnLst>
-  </p:timing>
-</p:sld>
-</file>
-
 <file path=ppt/slides/slide4.xml><?xml version="1.0" encoding="utf-8"?>
 <p:sld xmlns:a="http://schemas.openxmlformats.org/drawingml/2006/main" xmlns:r="http://schemas.openxmlformats.org/officeDocument/2006/relationships" xmlns:p="http://schemas.openxmlformats.org/presentationml/2006/main">
   <p:cSld>
@@ -16508,7 +16576,11 @@
           <a:bodyPr/>
           <a:lstStyle/>
           <a:p>
-            <a:endParaRPr lang="en-US"/>
+            <a:r>
+              <a:rPr lang="en-US" dirty="0" smtClean="0"/>
+              <a:t>Variables</a:t>
+            </a:r>
+            <a:endParaRPr lang="en-US" dirty="0"/>
           </a:p>
         </p:txBody>
       </p:sp>
@@ -16524,65 +16596,47 @@
         </p:nvSpPr>
         <p:spPr/>
         <p:txBody>
-          <a:bodyPr/>
+          <a:bodyPr>
+            <a:normAutofit lnSpcReduction="10000"/>
+          </a:bodyPr>
           <a:lstStyle/>
           <a:p>
             <a:r>
+              <a:rPr lang="en-US" dirty="0" smtClean="0"/>
+              <a:t>Do not confuse with Stats – variable</a:t>
+            </a:r>
+          </a:p>
+          <a:p>
+            <a:r>
               <a:rPr lang="en-US" dirty="0"/>
-              <a:t>var_name2</a:t>
-            </a:r>
-            <a:r>
-              <a:rPr lang="en-US" dirty="0" smtClean="0"/>
-              <a:t>. = Valid</a:t>
-            </a:r>
-          </a:p>
-          <a:p>
-            <a:r>
-              <a:rPr lang="en-US" dirty="0" err="1"/>
-              <a:t>var_name</a:t>
-            </a:r>
-            <a:r>
-              <a:rPr lang="en-US" dirty="0" smtClean="0"/>
-              <a:t>%  = Invalid</a:t>
-            </a:r>
-          </a:p>
-          <a:p>
-            <a:r>
-              <a:rPr lang="en-US" dirty="0" smtClean="0"/>
-              <a:t>2var_name = invalid</a:t>
-            </a:r>
+              <a:t>A variable provides us with named storage that our programs can manipulate. </a:t>
+            </a:r>
+            <a:endParaRPr lang="en-US" dirty="0" smtClean="0"/>
           </a:p>
           <a:p>
             <a:r>
               <a:rPr lang="en-US" dirty="0"/>
-              <a:t>.</a:t>
-            </a:r>
-            <a:r>
-              <a:rPr lang="en-US" dirty="0" smtClean="0"/>
-              <a:t>2var_name </a:t>
+              <a:t> valid variable name consists of letters, numbers and the </a:t>
+            </a:r>
+            <a:r>
+              <a:rPr lang="en-US" b="1" dirty="0">
+                <a:solidFill>
+                  <a:srgbClr val="FF0000"/>
+                </a:solidFill>
+              </a:rPr>
+              <a:t>dot or underline </a:t>
             </a:r>
             <a:r>
               <a:rPr lang="en-US" dirty="0"/>
-              <a:t>= invalid</a:t>
-            </a:r>
-            <a:endParaRPr lang="en-US" dirty="0" smtClean="0"/>
-          </a:p>
-          <a:p>
-            <a:r>
-              <a:rPr lang="en-US" dirty="0"/>
-              <a:t>_</a:t>
-            </a:r>
-            <a:r>
-              <a:rPr lang="en-US" dirty="0" err="1" smtClean="0"/>
-              <a:t>var_name</a:t>
-            </a:r>
-            <a:r>
-              <a:rPr lang="en-US" dirty="0" smtClean="0"/>
-              <a:t> </a:t>
-            </a:r>
-            <a:r>
-              <a:rPr lang="en-US" dirty="0"/>
-              <a:t>= invalid</a:t>
+              <a:t>characters. The variable name starts with a letter or the dot </a:t>
+            </a:r>
+            <a:r>
+              <a:rPr lang="en-US" dirty="0">
+                <a:solidFill>
+                  <a:srgbClr val="FF0000"/>
+                </a:solidFill>
+              </a:rPr>
+              <a:t>not followed by a number.</a:t>
             </a:r>
           </a:p>
         </p:txBody>
@@ -16590,7 +16644,7 @@
     </p:spTree>
     <p:extLst>
       <p:ext uri="{BB962C8B-B14F-4D97-AF65-F5344CB8AC3E}">
-        <p14:creationId xmlns:p14="http://schemas.microsoft.com/office/powerpoint/2010/main" val="3264141684"/>
+        <p14:creationId xmlns:p14="http://schemas.microsoft.com/office/powerpoint/2010/main" val="3205949672"/>
       </p:ext>
     </p:extLst>
   </p:cSld>
@@ -16655,152 +16709,73 @@
         </p:nvSpPr>
         <p:spPr/>
         <p:txBody>
-          <a:bodyPr>
-            <a:normAutofit fontScale="85000" lnSpcReduction="10000"/>
-          </a:bodyPr>
+          <a:bodyPr/>
           <a:lstStyle/>
           <a:p>
             <a:r>
               <a:rPr lang="en-US" dirty="0"/>
-              <a:t>&gt; </a:t>
-            </a:r>
-            <a:r>
-              <a:rPr lang="en-US" b="1" dirty="0" err="1"/>
-              <a:t>var_name</a:t>
-            </a:r>
-            <a:r>
-              <a:rPr lang="en-US" b="1" dirty="0"/>
-              <a:t>%</a:t>
-            </a:r>
-            <a:r>
-              <a:rPr lang="en-US" dirty="0"/>
-              <a:t> &lt;- c(10,20)</a:t>
-            </a:r>
-          </a:p>
-          <a:p>
-            <a:r>
-              <a:rPr lang="en-US" b="1" dirty="0">
-                <a:solidFill>
-                  <a:srgbClr val="FF0000"/>
-                </a:solidFill>
-              </a:rPr>
-              <a:t>Error:</a:t>
-            </a:r>
-            <a:r>
-              <a:rPr lang="en-US" dirty="0"/>
-              <a:t> unexpected input in "</a:t>
-            </a:r>
+              <a:t>var_name2</a:t>
+            </a:r>
+            <a:r>
+              <a:rPr lang="en-US" dirty="0" smtClean="0"/>
+              <a:t>. = Valid</a:t>
+            </a:r>
+          </a:p>
+          <a:p>
             <a:r>
               <a:rPr lang="en-US" dirty="0" err="1"/>
               <a:t>var_name</a:t>
             </a:r>
             <a:r>
+              <a:rPr lang="en-US" dirty="0" smtClean="0"/>
+              <a:t>%  = Invalid</a:t>
+            </a:r>
+          </a:p>
+          <a:p>
+            <a:r>
+              <a:rPr lang="en-US" dirty="0" smtClean="0"/>
+              <a:t>2var_name = invalid</a:t>
+            </a:r>
+          </a:p>
+          <a:p>
+            <a:r>
               <a:rPr lang="en-US" dirty="0"/>
-              <a:t>% &lt;- c(10,20)"</a:t>
-            </a:r>
-          </a:p>
-          <a:p>
+              <a:t>.</a:t>
+            </a:r>
+            <a:r>
+              <a:rPr lang="en-US" dirty="0" smtClean="0"/>
+              <a:t>2var_name </a:t>
+            </a:r>
             <a:r>
               <a:rPr lang="en-US" dirty="0"/>
-              <a:t>&gt; </a:t>
-            </a:r>
-            <a:r>
-              <a:rPr lang="en-US" dirty="0" err="1"/>
+              <a:t>= invalid</a:t>
+            </a:r>
+            <a:endParaRPr lang="en-US" dirty="0" smtClean="0"/>
+          </a:p>
+          <a:p>
+            <a:r>
+              <a:rPr lang="en-US" dirty="0"/>
+              <a:t>_</a:t>
+            </a:r>
+            <a:r>
+              <a:rPr lang="en-US" dirty="0" err="1" smtClean="0"/>
               <a:t>var_name</a:t>
             </a:r>
             <a:r>
+              <a:rPr lang="en-US" dirty="0" smtClean="0"/>
+              <a:t> </a:t>
+            </a:r>
+            <a:r>
               <a:rPr lang="en-US" dirty="0"/>
-              <a:t> &lt;- c(10,20</a:t>
-            </a:r>
-            <a:r>
-              <a:rPr lang="en-US" dirty="0" smtClean="0"/>
-              <a:t>)</a:t>
-            </a:r>
-          </a:p>
-          <a:p>
-            <a:endParaRPr lang="en-US" dirty="0"/>
-          </a:p>
-          <a:p>
-            <a:r>
-              <a:rPr lang="en-US" dirty="0"/>
-              <a:t>&gt; </a:t>
-            </a:r>
-            <a:r>
-              <a:rPr lang="en-US" b="1" dirty="0"/>
-              <a:t>2varname</a:t>
-            </a:r>
-            <a:r>
-              <a:rPr lang="en-US" dirty="0"/>
-              <a:t> &lt;- c(10.20)</a:t>
-            </a:r>
-          </a:p>
-          <a:p>
-            <a:r>
-              <a:rPr lang="en-US" b="1" dirty="0">
-                <a:solidFill>
-                  <a:srgbClr val="FF0000"/>
-                </a:solidFill>
-              </a:rPr>
-              <a:t>Error:</a:t>
-            </a:r>
-            <a:r>
-              <a:rPr lang="en-US" dirty="0"/>
-              <a:t> unexpected symbol in "</a:t>
-            </a:r>
-            <a:r>
-              <a:rPr lang="en-US" dirty="0" smtClean="0"/>
-              <a:t>2varname“</a:t>
-            </a:r>
-          </a:p>
-          <a:p>
-            <a:r>
-              <a:rPr lang="en-US" dirty="0"/>
-              <a:t>&gt; .2varname &lt;- c(10.20)</a:t>
-            </a:r>
-          </a:p>
-          <a:p>
-            <a:r>
-              <a:rPr lang="en-US" dirty="0">
-                <a:solidFill>
-                  <a:srgbClr val="FF0000"/>
-                </a:solidFill>
-              </a:rPr>
-              <a:t>Error:</a:t>
-            </a:r>
-            <a:r>
-              <a:rPr lang="en-US" dirty="0"/>
-              <a:t> unexpected symbol in ".2varname"</a:t>
-            </a:r>
-          </a:p>
-          <a:p>
-            <a:r>
-              <a:rPr lang="en-US" dirty="0"/>
-              <a:t>&gt; _2varname &lt;- c(10,20)</a:t>
-            </a:r>
-          </a:p>
-          <a:p>
-            <a:r>
-              <a:rPr lang="en-US" dirty="0">
-                <a:solidFill>
-                  <a:srgbClr val="FF0000"/>
-                </a:solidFill>
-              </a:rPr>
-              <a:t>Error:</a:t>
-            </a:r>
-            <a:r>
-              <a:rPr lang="en-US" dirty="0"/>
-              <a:t> unexpected input in "_"</a:t>
-            </a:r>
-          </a:p>
-          <a:p>
-            <a:endParaRPr lang="en-US" dirty="0"/>
+              <a:t>= invalid</a:t>
+            </a:r>
           </a:p>
         </p:txBody>
       </p:sp>
     </p:spTree>
     <p:extLst>
       <p:ext uri="{BB962C8B-B14F-4D97-AF65-F5344CB8AC3E}">
-        <p14:creationId xmlns:p14="http://schemas.microsoft.com/office/powerpoint/2010/main" val="551782613"/>
+        <p14:creationId xmlns:p14="http://schemas.microsoft.com/office/powerpoint/2010/main" val="3264141684"/>
       </p:ext>
     </p:extLst>
   </p:cSld>
@@ -16849,11 +16824,7 @@
           <a:bodyPr/>
           <a:lstStyle/>
           <a:p>
-            <a:r>
-              <a:rPr lang="en-US" dirty="0" err="1" smtClean="0"/>
-              <a:t>Maths</a:t>
-            </a:r>
-            <a:endParaRPr lang="en-US" dirty="0"/>
+            <a:endParaRPr lang="en-US"/>
           </a:p>
         </p:txBody>
       </p:sp>
@@ -16869,60 +16840,141 @@
         </p:nvSpPr>
         <p:spPr/>
         <p:txBody>
-          <a:bodyPr/>
+          <a:bodyPr>
+            <a:normAutofit fontScale="85000" lnSpcReduction="10000"/>
+          </a:bodyPr>
           <a:lstStyle/>
           <a:p>
             <a:r>
-              <a:rPr lang="en-US" b="1" dirty="0" smtClean="0">
+              <a:rPr lang="en-US" dirty="0"/>
+              <a:t>&gt; </a:t>
+            </a:r>
+            <a:r>
+              <a:rPr lang="en-US" b="1" dirty="0" err="1"/>
+              <a:t>var_name</a:t>
+            </a:r>
+            <a:r>
+              <a:rPr lang="en-US" b="1" dirty="0"/>
+              <a:t>%</a:t>
+            </a:r>
+            <a:r>
+              <a:rPr lang="en-US" dirty="0"/>
+              <a:t> &lt;- c(10,20)</a:t>
+            </a:r>
+          </a:p>
+          <a:p>
+            <a:r>
+              <a:rPr lang="en-US" b="1" dirty="0">
                 <a:solidFill>
                   <a:srgbClr val="FF0000"/>
                 </a:solidFill>
               </a:rPr>
-              <a:t>X &lt;- c(10,5,6,7,3)</a:t>
-            </a:r>
-          </a:p>
-          <a:p>
+              <a:t>Error:</a:t>
+            </a:r>
+            <a:r>
+              <a:rPr lang="en-US" dirty="0"/>
+              <a:t> unexpected input in "</a:t>
+            </a:r>
+            <a:r>
+              <a:rPr lang="en-US" dirty="0" err="1"/>
+              <a:t>var_name</a:t>
+            </a:r>
+            <a:r>
+              <a:rPr lang="en-US" dirty="0"/>
+              <a:t>% &lt;- c(10,20)"</a:t>
+            </a:r>
+          </a:p>
+          <a:p>
+            <a:r>
+              <a:rPr lang="en-US" dirty="0"/>
+              <a:t>&gt; </a:t>
+            </a:r>
+            <a:r>
+              <a:rPr lang="en-US" dirty="0" err="1"/>
+              <a:t>var_name</a:t>
+            </a:r>
+            <a:r>
+              <a:rPr lang="en-US" dirty="0"/>
+              <a:t> &lt;- c(10,20</a:t>
+            </a:r>
             <a:r>
               <a:rPr lang="en-US" dirty="0" smtClean="0"/>
-              <a:t>X Object Variable</a:t>
-            </a:r>
-          </a:p>
-          <a:p>
-            <a:r>
-              <a:rPr lang="en-US" dirty="0" smtClean="0"/>
-              <a:t>C = concatenate, Join</a:t>
-            </a:r>
-          </a:p>
-          <a:p>
-            <a:r>
-              <a:rPr lang="en-US" dirty="0" smtClean="0"/>
-              <a:t>This is Vector</a:t>
-            </a:r>
-          </a:p>
-          <a:p>
-            <a:r>
-              <a:rPr lang="en-US" dirty="0" smtClean="0"/>
-              <a:t>This is Numerical vector</a:t>
-            </a:r>
-          </a:p>
-          <a:p>
-            <a:r>
-              <a:rPr lang="en-US" b="1" dirty="0" smtClean="0">
+              <a:t>)</a:t>
+            </a:r>
+          </a:p>
+          <a:p>
+            <a:endParaRPr lang="en-US" dirty="0"/>
+          </a:p>
+          <a:p>
+            <a:r>
+              <a:rPr lang="en-US" dirty="0"/>
+              <a:t>&gt; </a:t>
+            </a:r>
+            <a:r>
+              <a:rPr lang="en-US" b="1" dirty="0"/>
+              <a:t>2varname</a:t>
+            </a:r>
+            <a:r>
+              <a:rPr lang="en-US" dirty="0"/>
+              <a:t> &lt;- c(10.20)</a:t>
+            </a:r>
+          </a:p>
+          <a:p>
+            <a:r>
+              <a:rPr lang="en-US" b="1" dirty="0">
                 <a:solidFill>
                   <a:srgbClr val="FF0000"/>
                 </a:solidFill>
               </a:rPr>
-              <a:t>1/x</a:t>
-            </a:r>
-          </a:p>
-          <a:p>
-            <a:r>
-              <a:rPr lang="en-US" b="1" dirty="0" smtClean="0">
+              <a:t>Error:</a:t>
+            </a:r>
+            <a:r>
+              <a:rPr lang="en-US" dirty="0"/>
+              <a:t> unexpected symbol in "</a:t>
+            </a:r>
+            <a:r>
+              <a:rPr lang="en-US" dirty="0" smtClean="0"/>
+              <a:t>2varname“</a:t>
+            </a:r>
+          </a:p>
+          <a:p>
+            <a:r>
+              <a:rPr lang="en-US" dirty="0"/>
+              <a:t>&gt; .2varname &lt;- c(10.20)</a:t>
+            </a:r>
+          </a:p>
+          <a:p>
+            <a:r>
+              <a:rPr lang="en-US" dirty="0">
                 <a:solidFill>
                   <a:srgbClr val="FF0000"/>
                 </a:solidFill>
               </a:rPr>
-              <a:t>Y &lt;- c(x,0,x)</a:t>
+              <a:t>Error:</a:t>
+            </a:r>
+            <a:r>
+              <a:rPr lang="en-US" dirty="0"/>
+              <a:t> unexpected symbol in ".2varname"</a:t>
+            </a:r>
+          </a:p>
+          <a:p>
+            <a:r>
+              <a:rPr lang="en-US" dirty="0"/>
+              <a:t>&gt; _2varname &lt;- c(10,20)</a:t>
+            </a:r>
+          </a:p>
+          <a:p>
+            <a:r>
+              <a:rPr lang="en-US" dirty="0">
+                <a:solidFill>
+                  <a:srgbClr val="FF0000"/>
+                </a:solidFill>
+              </a:rPr>
+              <a:t>Error:</a:t>
+            </a:r>
+            <a:r>
+              <a:rPr lang="en-US" dirty="0"/>
+              <a:t> unexpected input in "_"</a:t>
             </a:r>
           </a:p>
           <a:p>
@@ -16933,7 +16985,7 @@
     </p:spTree>
     <p:extLst>
       <p:ext uri="{BB962C8B-B14F-4D97-AF65-F5344CB8AC3E}">
-        <p14:creationId xmlns:p14="http://schemas.microsoft.com/office/powerpoint/2010/main" val="4004399352"/>
+        <p14:creationId xmlns:p14="http://schemas.microsoft.com/office/powerpoint/2010/main" val="551782613"/>
       </p:ext>
     </p:extLst>
   </p:cSld>
@@ -16983,8 +17035,8 @@
           <a:lstStyle/>
           <a:p>
             <a:r>
-              <a:rPr lang="en-US" dirty="0" smtClean="0"/>
-              <a:t>Vector Arithmetic</a:t>
+              <a:rPr lang="en-US" dirty="0" err="1" smtClean="0"/>
+              <a:t>Maths</a:t>
             </a:r>
             <a:endParaRPr lang="en-US" dirty="0"/>
           </a:p>
@@ -17002,100 +17054,61 @@
         </p:nvSpPr>
         <p:spPr/>
         <p:txBody>
-          <a:bodyPr>
-            <a:normAutofit fontScale="70000" lnSpcReduction="20000"/>
-          </a:bodyPr>
+          <a:bodyPr/>
           <a:lstStyle/>
           <a:p>
             <a:r>
-              <a:rPr lang="en-US" dirty="0" smtClean="0">
+              <a:rPr lang="en-US" b="1" dirty="0" smtClean="0">
                 <a:solidFill>
                   <a:srgbClr val="FF0000"/>
                 </a:solidFill>
               </a:rPr>
-              <a:t>V &lt;- (2*x)+y+1</a:t>
-            </a:r>
-          </a:p>
-          <a:p>
-            <a:endParaRPr lang="en-US" dirty="0"/>
-          </a:p>
-          <a:p>
-            <a:r>
-              <a:rPr lang="en-US" dirty="0"/>
-              <a:t>x &lt;- c(10,5,6,7,3) </a:t>
-            </a:r>
-          </a:p>
-          <a:p>
-            <a:r>
-              <a:rPr lang="en-US" dirty="0"/>
-              <a:t>&gt; x [1] 10 5 6 7 3</a:t>
-            </a:r>
-          </a:p>
-          <a:p>
-            <a:r>
-              <a:rPr lang="en-US" dirty="0"/>
-              <a:t> &gt; 1/x </a:t>
-            </a:r>
-          </a:p>
-          <a:p>
-            <a:r>
-              <a:rPr lang="en-US" dirty="0"/>
-              <a:t>[1] 0.1000000 0.2000000 0.1666667 0.1428571 0.3333333 </a:t>
-            </a:r>
-          </a:p>
-          <a:p>
-            <a:r>
-              <a:rPr lang="en-US" dirty="0"/>
-              <a:t>&gt; y </a:t>
-            </a:r>
+              <a:t>X &lt;- c(10,5,6,7,3)</a:t>
+            </a:r>
+          </a:p>
+          <a:p>
             <a:r>
               <a:rPr lang="en-US" dirty="0" smtClean="0"/>
-              <a:t>&lt;- 5</a:t>
-            </a:r>
-            <a:endParaRPr lang="en-US" dirty="0"/>
-          </a:p>
-          <a:p>
-            <a:r>
-              <a:rPr lang="en-US" dirty="0"/>
-              <a:t> </a:t>
-            </a:r>
-            <a:r>
-              <a:rPr lang="en-US" dirty="0">
+              <a:t>X Object Variable</a:t>
+            </a:r>
+          </a:p>
+          <a:p>
+            <a:r>
+              <a:rPr lang="en-US" dirty="0" smtClean="0"/>
+              <a:t>C = concatenate, Join</a:t>
+            </a:r>
+          </a:p>
+          <a:p>
+            <a:r>
+              <a:rPr lang="en-US" dirty="0" smtClean="0"/>
+              <a:t>This is Vector</a:t>
+            </a:r>
+          </a:p>
+          <a:p>
+            <a:r>
+              <a:rPr lang="en-US" dirty="0" smtClean="0"/>
+              <a:t>This is Numerical vector</a:t>
+            </a:r>
+          </a:p>
+          <a:p>
+            <a:r>
+              <a:rPr lang="en-US" b="1" dirty="0" smtClean="0">
                 <a:solidFill>
                   <a:srgbClr val="FF0000"/>
                 </a:solidFill>
               </a:rPr>
-              <a:t>&gt; v &lt;- (2*x)+y+1 </a:t>
-            </a:r>
-          </a:p>
-          <a:p>
-            <a:r>
-              <a:rPr lang="en-US" dirty="0"/>
-              <a:t>&gt; v [1] 26 16 18 20 12 </a:t>
-            </a:r>
-          </a:p>
-          <a:p>
-            <a:endParaRPr lang="en-US" dirty="0"/>
-          </a:p>
-          <a:p>
-            <a:r>
-              <a:rPr lang="en-US" dirty="0"/>
-              <a:t>Explain this to students</a:t>
-            </a:r>
-          </a:p>
-          <a:p>
-            <a:r>
-              <a:rPr lang="en-US" dirty="0"/>
-              <a:t> &lt;-  is </a:t>
-            </a:r>
-            <a:r>
-              <a:rPr lang="en-US" dirty="0" err="1"/>
-              <a:t>assigment</a:t>
-            </a:r>
-            <a:endParaRPr lang="en-US" dirty="0" smtClean="0"/>
-          </a:p>
-          <a:p>
-            <a:endParaRPr lang="en-US" dirty="0" smtClean="0"/>
+              <a:t>1/x</a:t>
+            </a:r>
+          </a:p>
+          <a:p>
+            <a:r>
+              <a:rPr lang="en-US" b="1" dirty="0" smtClean="0">
+                <a:solidFill>
+                  <a:srgbClr val="FF0000"/>
+                </a:solidFill>
+              </a:rPr>
+              <a:t>Y &lt;- c(x,0,x)</a:t>
+            </a:r>
           </a:p>
           <a:p>
             <a:endParaRPr lang="en-US" dirty="0"/>
@@ -17105,7 +17118,7 @@
     </p:spTree>
     <p:extLst>
       <p:ext uri="{BB962C8B-B14F-4D97-AF65-F5344CB8AC3E}">
-        <p14:creationId xmlns:p14="http://schemas.microsoft.com/office/powerpoint/2010/main" val="1782171205"/>
+        <p14:creationId xmlns:p14="http://schemas.microsoft.com/office/powerpoint/2010/main" val="4004399352"/>
       </p:ext>
     </p:extLst>
   </p:cSld>
@@ -17156,7 +17169,7 @@
           <a:p>
             <a:r>
               <a:rPr lang="en-US" dirty="0" smtClean="0"/>
-              <a:t>Common Functions</a:t>
+              <a:t>Vector Arithmetic</a:t>
             </a:r>
             <a:endParaRPr lang="en-US" dirty="0"/>
           </a:p>
@@ -17175,54 +17188,101 @@
         <p:spPr/>
         <p:txBody>
           <a:bodyPr>
-            <a:normAutofit/>
+            <a:normAutofit fontScale="70000" lnSpcReduction="20000"/>
           </a:bodyPr>
           <a:lstStyle/>
           <a:p>
             <a:r>
+              <a:rPr lang="en-US" dirty="0" smtClean="0">
+                <a:solidFill>
+                  <a:srgbClr val="FF0000"/>
+                </a:solidFill>
+              </a:rPr>
+              <a:t>V &lt;- (2*x)+y+1</a:t>
+            </a:r>
+          </a:p>
+          <a:p>
+            <a:endParaRPr lang="en-US" dirty="0"/>
+          </a:p>
+          <a:p>
+            <a:r>
+              <a:rPr lang="en-US" dirty="0"/>
+              <a:t>x &lt;- c(10,5,6,7,3) </a:t>
+            </a:r>
+          </a:p>
+          <a:p>
+            <a:r>
+              <a:rPr lang="en-US" dirty="0"/>
+              <a:t>&gt; x [1] 10 5 6 7 3</a:t>
+            </a:r>
+          </a:p>
+          <a:p>
+            <a:r>
+              <a:rPr lang="en-US" dirty="0"/>
+              <a:t> &gt; 1/x </a:t>
+            </a:r>
+          </a:p>
+          <a:p>
+            <a:r>
+              <a:rPr lang="en-US" dirty="0"/>
+              <a:t>[1] 0.1000000 0.2000000 0.1666667 0.1428571 0.3333333 </a:t>
+            </a:r>
+          </a:p>
+          <a:p>
+            <a:r>
+              <a:rPr lang="en-US" dirty="0"/>
+              <a:t>&gt; y </a:t>
+            </a:r>
+            <a:r>
               <a:rPr lang="en-US" dirty="0" smtClean="0"/>
-              <a:t>Length()</a:t>
-            </a:r>
-          </a:p>
-          <a:p>
-            <a:r>
-              <a:rPr lang="en-US" dirty="0" smtClean="0"/>
-              <a:t>Min()</a:t>
-            </a:r>
-          </a:p>
-          <a:p>
-            <a:r>
-              <a:rPr lang="en-US" dirty="0" smtClean="0"/>
-              <a:t>Max()</a:t>
-            </a:r>
-          </a:p>
-          <a:p>
-            <a:r>
-              <a:rPr lang="en-US" dirty="0" smtClean="0"/>
-              <a:t>Log(x)</a:t>
-            </a:r>
-          </a:p>
-          <a:p>
-            <a:r>
-              <a:rPr lang="en-US" dirty="0" err="1" smtClean="0"/>
-              <a:t>Exp</a:t>
-            </a:r>
-            <a:r>
-              <a:rPr lang="en-US" dirty="0" smtClean="0"/>
-              <a:t>()</a:t>
-            </a:r>
-          </a:p>
-          <a:p>
-            <a:r>
-              <a:rPr lang="en-US" dirty="0" smtClean="0"/>
-              <a:t>Mean()</a:t>
-            </a:r>
-          </a:p>
-          <a:p>
-            <a:r>
-              <a:rPr lang="en-US" dirty="0" smtClean="0"/>
-              <a:t>Sum()</a:t>
-            </a:r>
+              <a:t>&lt;- 5</a:t>
+            </a:r>
+            <a:endParaRPr lang="en-US" dirty="0"/>
+          </a:p>
+          <a:p>
+            <a:r>
+              <a:rPr lang="en-US" dirty="0"/>
+              <a:t> </a:t>
+            </a:r>
+            <a:r>
+              <a:rPr lang="en-US" dirty="0">
+                <a:solidFill>
+                  <a:srgbClr val="FF0000"/>
+                </a:solidFill>
+              </a:rPr>
+              <a:t>&gt; v &lt;- (2*x)+y+1 </a:t>
+            </a:r>
+          </a:p>
+          <a:p>
+            <a:r>
+              <a:rPr lang="en-US" dirty="0"/>
+              <a:t>&gt; v [1] 26 16 18 20 12 </a:t>
+            </a:r>
+          </a:p>
+          <a:p>
+            <a:endParaRPr lang="en-US" dirty="0"/>
+          </a:p>
+          <a:p>
+            <a:r>
+              <a:rPr lang="en-US" dirty="0"/>
+              <a:t>Explain this to students</a:t>
+            </a:r>
+          </a:p>
+          <a:p>
+            <a:r>
+              <a:rPr lang="en-US" dirty="0"/>
+              <a:t> &lt;-  is </a:t>
+            </a:r>
+            <a:r>
+              <a:rPr lang="en-US" dirty="0" err="1"/>
+              <a:t>assigment</a:t>
+            </a:r>
+            <a:endParaRPr lang="en-US" dirty="0" smtClean="0"/>
+          </a:p>
+          <a:p>
+            <a:endParaRPr lang="en-US" dirty="0" smtClean="0"/>
+          </a:p>
+          <a:p>
             <a:endParaRPr lang="en-US" dirty="0"/>
           </a:p>
         </p:txBody>
@@ -17230,7 +17290,7 @@
     </p:spTree>
     <p:extLst>
       <p:ext uri="{BB962C8B-B14F-4D97-AF65-F5344CB8AC3E}">
-        <p14:creationId xmlns:p14="http://schemas.microsoft.com/office/powerpoint/2010/main" val="1313858787"/>
+        <p14:creationId xmlns:p14="http://schemas.microsoft.com/office/powerpoint/2010/main" val="1782171205"/>
       </p:ext>
     </p:extLst>
   </p:cSld>
@@ -17281,7 +17341,7 @@
           <a:p>
             <a:r>
               <a:rPr lang="en-US" dirty="0" smtClean="0"/>
-              <a:t>Formulae sample</a:t>
+              <a:t>Common Functions</a:t>
             </a:r>
             <a:endParaRPr lang="en-US" dirty="0"/>
           </a:p>
@@ -17299,18 +17359,55 @@
         </p:nvSpPr>
         <p:spPr/>
         <p:txBody>
-          <a:bodyPr/>
+          <a:bodyPr>
+            <a:normAutofit/>
+          </a:bodyPr>
           <a:lstStyle/>
           <a:p>
-            <a:endParaRPr lang="en-US" dirty="0" smtClean="0"/>
-          </a:p>
-          <a:p>
             <a:r>
               <a:rPr lang="en-US" dirty="0" smtClean="0"/>
-              <a:t>Variable = sum( (x-mean(x))^2) / ( Length(x)-1</a:t>
-            </a:r>
-          </a:p>
-          <a:p>
+              <a:t>Length()</a:t>
+            </a:r>
+          </a:p>
+          <a:p>
+            <a:r>
+              <a:rPr lang="en-US" dirty="0" smtClean="0"/>
+              <a:t>Min()</a:t>
+            </a:r>
+          </a:p>
+          <a:p>
+            <a:r>
+              <a:rPr lang="en-US" dirty="0" smtClean="0"/>
+              <a:t>Max()</a:t>
+            </a:r>
+          </a:p>
+          <a:p>
+            <a:r>
+              <a:rPr lang="en-US" dirty="0" smtClean="0"/>
+              <a:t>Log(x)</a:t>
+            </a:r>
+          </a:p>
+          <a:p>
+            <a:r>
+              <a:rPr lang="en-US" dirty="0" err="1" smtClean="0"/>
+              <a:t>Exp</a:t>
+            </a:r>
+            <a:r>
+              <a:rPr lang="en-US" dirty="0" smtClean="0"/>
+              <a:t>()</a:t>
+            </a:r>
+          </a:p>
+          <a:p>
+            <a:r>
+              <a:rPr lang="en-US" dirty="0" smtClean="0"/>
+              <a:t>Mean()</a:t>
+            </a:r>
+          </a:p>
+          <a:p>
+            <a:r>
+              <a:rPr lang="en-US" dirty="0" smtClean="0"/>
+              <a:t>Sum()</a:t>
+            </a:r>
             <a:endParaRPr lang="en-US" dirty="0"/>
           </a:p>
         </p:txBody>
@@ -17318,7 +17415,7 @@
     </p:spTree>
     <p:extLst>
       <p:ext uri="{BB962C8B-B14F-4D97-AF65-F5344CB8AC3E}">
-        <p14:creationId xmlns:p14="http://schemas.microsoft.com/office/powerpoint/2010/main" val="3751096397"/>
+        <p14:creationId xmlns:p14="http://schemas.microsoft.com/office/powerpoint/2010/main" val="1313858787"/>
       </p:ext>
     </p:extLst>
   </p:cSld>

--- a/RBasics/R Basics 3.pptx
+++ b/RBasics/R Basics 3.pptx
@@ -2890,7 +2890,7 @@
           <a:p>
             <a:fld id="{27C813B7-FD4A-48D0-BF4D-9168513E280B}" type="datetimeFigureOut">
               <a:rPr lang="en-US" smtClean="0"/>
-              <a:t>6/24/2018</a:t>
+              <a:t>6/29/2018</a:t>
             </a:fld>
             <a:endParaRPr lang="en-US"/>
           </a:p>
@@ -3175,7 +3175,7 @@
           <a:p>
             <a:fld id="{27C813B7-FD4A-48D0-BF4D-9168513E280B}" type="datetimeFigureOut">
               <a:rPr lang="en-US" smtClean="0"/>
-              <a:t>6/24/2018</a:t>
+              <a:t>6/29/2018</a:t>
             </a:fld>
             <a:endParaRPr lang="en-US"/>
           </a:p>
@@ -3350,7 +3350,7 @@
           <a:p>
             <a:fld id="{27C813B7-FD4A-48D0-BF4D-9168513E280B}" type="datetimeFigureOut">
               <a:rPr lang="en-US" smtClean="0"/>
-              <a:t>6/24/2018</a:t>
+              <a:t>6/29/2018</a:t>
             </a:fld>
             <a:endParaRPr lang="en-US"/>
           </a:p>
@@ -3515,7 +3515,7 @@
           <a:p>
             <a:fld id="{27C813B7-FD4A-48D0-BF4D-9168513E280B}" type="datetimeFigureOut">
               <a:rPr lang="en-US" smtClean="0"/>
-              <a:t>6/24/2018</a:t>
+              <a:t>6/29/2018</a:t>
             </a:fld>
             <a:endParaRPr lang="en-US"/>
           </a:p>
@@ -3756,7 +3756,7 @@
           <a:p>
             <a:fld id="{27C813B7-FD4A-48D0-BF4D-9168513E280B}" type="datetimeFigureOut">
               <a:rPr lang="en-US" smtClean="0"/>
-              <a:t>6/24/2018</a:t>
+              <a:t>6/29/2018</a:t>
             </a:fld>
             <a:endParaRPr lang="en-US"/>
           </a:p>
@@ -3869,7 +3869,7 @@
           <a:p>
             <a:fld id="{27C813B7-FD4A-48D0-BF4D-9168513E280B}" type="datetimeFigureOut">
               <a:rPr lang="en-US" smtClean="0"/>
-              <a:t>6/24/2018</a:t>
+              <a:t>6/29/2018</a:t>
             </a:fld>
             <a:endParaRPr lang="en-US"/>
           </a:p>
@@ -4408,7 +4408,7 @@
           <a:p>
             <a:fld id="{27C813B7-FD4A-48D0-BF4D-9168513E280B}" type="datetimeFigureOut">
               <a:rPr lang="en-US" smtClean="0"/>
-              <a:t>6/24/2018</a:t>
+              <a:t>6/29/2018</a:t>
             </a:fld>
             <a:endParaRPr lang="en-US"/>
           </a:p>
@@ -4521,7 +4521,7 @@
           <a:p>
             <a:fld id="{27C813B7-FD4A-48D0-BF4D-9168513E280B}" type="datetimeFigureOut">
               <a:rPr lang="en-US" smtClean="0"/>
-              <a:t>6/24/2018</a:t>
+              <a:t>6/29/2018</a:t>
             </a:fld>
             <a:endParaRPr lang="en-US"/>
           </a:p>
@@ -4611,7 +4611,7 @@
           <a:p>
             <a:fld id="{27C813B7-FD4A-48D0-BF4D-9168513E280B}" type="datetimeFigureOut">
               <a:rPr lang="en-US" smtClean="0"/>
-              <a:t>6/24/2018</a:t>
+              <a:t>6/29/2018</a:t>
             </a:fld>
             <a:endParaRPr lang="en-US"/>
           </a:p>
@@ -7262,7 +7262,7 @@
           <a:p>
             <a:fld id="{27C813B7-FD4A-48D0-BF4D-9168513E280B}" type="datetimeFigureOut">
               <a:rPr lang="en-US" smtClean="0"/>
-              <a:t>6/24/2018</a:t>
+              <a:t>6/29/2018</a:t>
             </a:fld>
             <a:endParaRPr lang="en-US"/>
           </a:p>
@@ -10474,7 +10474,7 @@
           <a:p>
             <a:fld id="{27C813B7-FD4A-48D0-BF4D-9168513E280B}" type="datetimeFigureOut">
               <a:rPr lang="en-US" smtClean="0"/>
-              <a:t>6/24/2018</a:t>
+              <a:t>6/29/2018</a:t>
             </a:fld>
             <a:endParaRPr lang="en-US"/>
           </a:p>
@@ -13296,7 +13296,7 @@
           <a:p>
             <a:fld id="{27C813B7-FD4A-48D0-BF4D-9168513E280B}" type="datetimeFigureOut">
               <a:rPr lang="en-US" smtClean="0"/>
-              <a:t>6/24/2018</a:t>
+              <a:t>6/29/2018</a:t>
             </a:fld>
             <a:endParaRPr lang="en-US"/>
           </a:p>
@@ -14233,6 +14233,29 @@
           </a:p>
           <a:p>
             <a:r>
+              <a:rPr lang="es-ES" dirty="0"/>
+              <a:t>z &lt;- paste( c("</a:t>
+            </a:r>
+            <a:r>
+              <a:rPr lang="es-ES" dirty="0" err="1"/>
+              <a:t>x","y</a:t>
+            </a:r>
+            <a:r>
+              <a:rPr lang="es-ES" dirty="0"/>
+              <a:t>"), 1:10, </a:t>
+            </a:r>
+            <a:r>
+              <a:rPr lang="es-ES" dirty="0" err="1"/>
+              <a:t>sep</a:t>
+            </a:r>
+            <a:r>
+              <a:rPr lang="es-ES" dirty="0"/>
+              <a:t>="")</a:t>
+            </a:r>
+            <a:endParaRPr lang="en-US" dirty="0" smtClean="0"/>
+          </a:p>
+          <a:p>
+            <a:r>
               <a:rPr lang="en-US" dirty="0" smtClean="0"/>
               <a:t>Txt[1] # index</a:t>
             </a:r>
@@ -15228,6 +15251,13 @@
   <p:clrMapOvr>
     <a:masterClrMapping/>
   </p:clrMapOvr>
+  <p:timing>
+    <p:tnLst>
+      <p:par>
+        <p:cTn id="1" dur="indefinite" restart="never" nodeType="tmRoot"/>
+      </p:par>
+    </p:tnLst>
+  </p:timing>
 </p:sld>
 </file>
 
